--- a/ansible/playbooks/files/meeting1_intro.pptx
+++ b/ansible/playbooks/files/meeting1_intro.pptx
@@ -6,11 +6,12 @@
   </p:sldMasterIdLst>
   <p:sldIdLst>
     <p:sldId id="256" r:id="rId2"/>
-    <p:sldId id="271" r:id="rId3"/>
-    <p:sldId id="269" r:id="rId4"/>
-    <p:sldId id="272" r:id="rId5"/>
-    <p:sldId id="273" r:id="rId6"/>
-    <p:sldId id="274" r:id="rId7"/>
+    <p:sldId id="275" r:id="rId3"/>
+    <p:sldId id="271" r:id="rId4"/>
+    <p:sldId id="269" r:id="rId5"/>
+    <p:sldId id="272" r:id="rId6"/>
+    <p:sldId id="273" r:id="rId7"/>
+    <p:sldId id="274" r:id="rId8"/>
   </p:sldIdLst>
   <p:sldSz cx="12192000" cy="6858000"/>
   <p:notesSz cx="6858000" cy="9144000"/>
@@ -2229,6 +2230,13 @@
         </dgm:presLayoutVars>
       </dgm:prSet>
       <dgm:spPr/>
+      <dgm:t>
+        <a:bodyPr/>
+        <a:lstStyle/>
+        <a:p>
+          <a:endParaRPr lang="en-US"/>
+        </a:p>
+      </dgm:t>
     </dgm:pt>
     <dgm:pt modelId="{52F336F9-37B6-4609-A290-CC7F5C00E1E9}" type="pres">
       <dgm:prSet presAssocID="{A9B65402-3415-4752-B849-FC98E10E97FA}" presName="singleCycle" presStyleCnt="0"/>
@@ -2242,10 +2250,24 @@
         </dgm:presLayoutVars>
       </dgm:prSet>
       <dgm:spPr/>
+      <dgm:t>
+        <a:bodyPr/>
+        <a:lstStyle/>
+        <a:p>
+          <a:endParaRPr lang="en-US"/>
+        </a:p>
+      </dgm:t>
     </dgm:pt>
     <dgm:pt modelId="{A27CF3F7-D130-4298-9756-927E6338A2CC}" type="pres">
       <dgm:prSet presAssocID="{C8268337-3FDD-4353-AC6A-A990333956C9}" presName="Name56" presStyleLbl="parChTrans1D2" presStyleIdx="0" presStyleCnt="7"/>
       <dgm:spPr/>
+      <dgm:t>
+        <a:bodyPr/>
+        <a:lstStyle/>
+        <a:p>
+          <a:endParaRPr lang="en-US"/>
+        </a:p>
+      </dgm:t>
     </dgm:pt>
     <dgm:pt modelId="{CB5DC9D2-53F0-4701-AA94-A259CBEB5E9A}" type="pres">
       <dgm:prSet presAssocID="{32BA64A0-6328-4F46-9459-BE86AC074908}" presName="text0" presStyleLbl="node1" presStyleIdx="1" presStyleCnt="8">
@@ -2254,10 +2276,24 @@
         </dgm:presLayoutVars>
       </dgm:prSet>
       <dgm:spPr/>
+      <dgm:t>
+        <a:bodyPr/>
+        <a:lstStyle/>
+        <a:p>
+          <a:endParaRPr lang="en-US"/>
+        </a:p>
+      </dgm:t>
     </dgm:pt>
     <dgm:pt modelId="{6F1643F7-90A8-42C7-B492-297A60C608A4}" type="pres">
       <dgm:prSet presAssocID="{52862C28-67E1-4554-85DE-42159630BF51}" presName="Name56" presStyleLbl="parChTrans1D2" presStyleIdx="1" presStyleCnt="7"/>
       <dgm:spPr/>
+      <dgm:t>
+        <a:bodyPr/>
+        <a:lstStyle/>
+        <a:p>
+          <a:endParaRPr lang="en-US"/>
+        </a:p>
+      </dgm:t>
     </dgm:pt>
     <dgm:pt modelId="{72991B9A-5599-4E18-9F46-210C0D887E6E}" type="pres">
       <dgm:prSet presAssocID="{D2C150DD-6FEF-4BD2-8BB6-092B6440CBA6}" presName="text0" presStyleLbl="node1" presStyleIdx="2" presStyleCnt="8">
@@ -2266,10 +2302,24 @@
         </dgm:presLayoutVars>
       </dgm:prSet>
       <dgm:spPr/>
+      <dgm:t>
+        <a:bodyPr/>
+        <a:lstStyle/>
+        <a:p>
+          <a:endParaRPr lang="en-US"/>
+        </a:p>
+      </dgm:t>
     </dgm:pt>
     <dgm:pt modelId="{3E6475FA-41D6-47B8-AB75-7AB066CA2CE6}" type="pres">
       <dgm:prSet presAssocID="{1FF487E5-43AF-41D8-8D5A-942A85F0D2DE}" presName="Name56" presStyleLbl="parChTrans1D2" presStyleIdx="2" presStyleCnt="7"/>
       <dgm:spPr/>
+      <dgm:t>
+        <a:bodyPr/>
+        <a:lstStyle/>
+        <a:p>
+          <a:endParaRPr lang="en-US"/>
+        </a:p>
+      </dgm:t>
     </dgm:pt>
     <dgm:pt modelId="{D00B6CDE-1923-4E24-9CC2-46313E6E841A}" type="pres">
       <dgm:prSet presAssocID="{C2A6F5AE-CC4F-4F3B-B022-5937845384AC}" presName="text0" presStyleLbl="node1" presStyleIdx="3" presStyleCnt="8">
@@ -2278,10 +2328,24 @@
         </dgm:presLayoutVars>
       </dgm:prSet>
       <dgm:spPr/>
+      <dgm:t>
+        <a:bodyPr/>
+        <a:lstStyle/>
+        <a:p>
+          <a:endParaRPr lang="en-US"/>
+        </a:p>
+      </dgm:t>
     </dgm:pt>
     <dgm:pt modelId="{142D431B-B6EE-4896-957E-65CE77DDD74E}" type="pres">
       <dgm:prSet presAssocID="{27BEAFF6-880E-4353-A397-3FD96AF16BDF}" presName="Name56" presStyleLbl="parChTrans1D2" presStyleIdx="3" presStyleCnt="7"/>
       <dgm:spPr/>
+      <dgm:t>
+        <a:bodyPr/>
+        <a:lstStyle/>
+        <a:p>
+          <a:endParaRPr lang="en-US"/>
+        </a:p>
+      </dgm:t>
     </dgm:pt>
     <dgm:pt modelId="{9A6C6987-B084-4570-9EDD-92291A84290B}" type="pres">
       <dgm:prSet presAssocID="{371BADAF-426A-4729-B8BA-01AD96E92F22}" presName="text0" presStyleLbl="node1" presStyleIdx="4" presStyleCnt="8">
@@ -2290,10 +2354,24 @@
         </dgm:presLayoutVars>
       </dgm:prSet>
       <dgm:spPr/>
+      <dgm:t>
+        <a:bodyPr/>
+        <a:lstStyle/>
+        <a:p>
+          <a:endParaRPr lang="en-US"/>
+        </a:p>
+      </dgm:t>
     </dgm:pt>
     <dgm:pt modelId="{FB140C3B-01B5-46FA-9772-0BDF58DEF84C}" type="pres">
       <dgm:prSet presAssocID="{A82F0C10-7D3F-47AF-8E57-7CA52C04142D}" presName="Name56" presStyleLbl="parChTrans1D2" presStyleIdx="4" presStyleCnt="7"/>
       <dgm:spPr/>
+      <dgm:t>
+        <a:bodyPr/>
+        <a:lstStyle/>
+        <a:p>
+          <a:endParaRPr lang="en-US"/>
+        </a:p>
+      </dgm:t>
     </dgm:pt>
     <dgm:pt modelId="{CA9C7857-7B3C-4C6B-AFA2-4C278C64FDD8}" type="pres">
       <dgm:prSet presAssocID="{5D596E54-129D-48DF-B876-D7777E4F30CC}" presName="text0" presStyleLbl="node1" presStyleIdx="5" presStyleCnt="8">
@@ -2302,10 +2380,24 @@
         </dgm:presLayoutVars>
       </dgm:prSet>
       <dgm:spPr/>
+      <dgm:t>
+        <a:bodyPr/>
+        <a:lstStyle/>
+        <a:p>
+          <a:endParaRPr lang="en-US"/>
+        </a:p>
+      </dgm:t>
     </dgm:pt>
     <dgm:pt modelId="{F3470325-18A6-4E9D-8BE0-F11CA91AFB22}" type="pres">
       <dgm:prSet presAssocID="{413E2890-02B4-432B-A03B-A86C096DF015}" presName="Name56" presStyleLbl="parChTrans1D2" presStyleIdx="5" presStyleCnt="7"/>
       <dgm:spPr/>
+      <dgm:t>
+        <a:bodyPr/>
+        <a:lstStyle/>
+        <a:p>
+          <a:endParaRPr lang="en-US"/>
+        </a:p>
+      </dgm:t>
     </dgm:pt>
     <dgm:pt modelId="{AA9E6850-6DA1-4D99-B29E-E926DA1B5E1C}" type="pres">
       <dgm:prSet presAssocID="{0A71AADE-0620-4ECF-A375-F5B51F34F7D7}" presName="text0" presStyleLbl="node1" presStyleIdx="6" presStyleCnt="8">
@@ -2314,10 +2406,24 @@
         </dgm:presLayoutVars>
       </dgm:prSet>
       <dgm:spPr/>
+      <dgm:t>
+        <a:bodyPr/>
+        <a:lstStyle/>
+        <a:p>
+          <a:endParaRPr lang="en-US"/>
+        </a:p>
+      </dgm:t>
     </dgm:pt>
     <dgm:pt modelId="{CDECAA70-B5B7-4F9F-BA18-18D1F52CEA50}" type="pres">
       <dgm:prSet presAssocID="{D40F3C2F-DB08-460D-9747-44CB53C30AB0}" presName="Name56" presStyleLbl="parChTrans1D2" presStyleIdx="6" presStyleCnt="7"/>
       <dgm:spPr/>
+      <dgm:t>
+        <a:bodyPr/>
+        <a:lstStyle/>
+        <a:p>
+          <a:endParaRPr lang="en-US"/>
+        </a:p>
+      </dgm:t>
     </dgm:pt>
     <dgm:pt modelId="{CB79C6A6-C80B-41CE-907E-773AD70A08A6}" type="pres">
       <dgm:prSet presAssocID="{1F88F434-9EC0-483F-BE47-915FA5235688}" presName="text0" presStyleLbl="node1" presStyleIdx="7" presStyleCnt="8">
@@ -2326,33 +2432,40 @@
         </dgm:presLayoutVars>
       </dgm:prSet>
       <dgm:spPr/>
+      <dgm:t>
+        <a:bodyPr/>
+        <a:lstStyle/>
+        <a:p>
+          <a:endParaRPr lang="en-US"/>
+        </a:p>
+      </dgm:t>
     </dgm:pt>
   </dgm:ptLst>
   <dgm:cxnLst>
-    <dgm:cxn modelId="{E685D506-5A3C-47A6-8BA6-ACBBB4A41BC7}" srcId="{A9B65402-3415-4752-B849-FC98E10E97FA}" destId="{371BADAF-426A-4729-B8BA-01AD96E92F22}" srcOrd="3" destOrd="0" parTransId="{27BEAFF6-880E-4353-A397-3FD96AF16BDF}" sibTransId="{23D44060-22AB-448A-98C1-33B467F99B7A}"/>
-    <dgm:cxn modelId="{E3026014-B159-472B-854E-C4923A50EFFF}" srcId="{A9B65402-3415-4752-B849-FC98E10E97FA}" destId="{D2C150DD-6FEF-4BD2-8BB6-092B6440CBA6}" srcOrd="1" destOrd="0" parTransId="{52862C28-67E1-4554-85DE-42159630BF51}" sibTransId="{F6864EB7-34AA-40FF-9943-62522D49A26D}"/>
+    <dgm:cxn modelId="{53304A99-5C8C-476C-B3BA-B89D9C23D710}" type="presOf" srcId="{D2C150DD-6FEF-4BD2-8BB6-092B6440CBA6}" destId="{72991B9A-5599-4E18-9F46-210C0D887E6E}" srcOrd="0" destOrd="0" presId="urn:microsoft.com/office/officeart/2008/layout/RadialCluster"/>
+    <dgm:cxn modelId="{F04F1324-0B0F-4EAD-8A28-853B6DA55F9C}" type="presOf" srcId="{5D596E54-129D-48DF-B876-D7777E4F30CC}" destId="{CA9C7857-7B3C-4C6B-AFA2-4C278C64FDD8}" srcOrd="0" destOrd="0" presId="urn:microsoft.com/office/officeart/2008/layout/RadialCluster"/>
+    <dgm:cxn modelId="{7E863FD9-200A-4B7E-A0FF-1E8BF30928D5}" srcId="{A9B65402-3415-4752-B849-FC98E10E97FA}" destId="{5D596E54-129D-48DF-B876-D7777E4F30CC}" srcOrd="4" destOrd="0" parTransId="{A82F0C10-7D3F-47AF-8E57-7CA52C04142D}" sibTransId="{2AB19C34-4B41-4956-AA02-8DEEE4134F06}"/>
+    <dgm:cxn modelId="{8341F965-33CD-4A5E-B734-13ABACF3864D}" srcId="{A9B65402-3415-4752-B849-FC98E10E97FA}" destId="{C2A6F5AE-CC4F-4F3B-B022-5937845384AC}" srcOrd="2" destOrd="0" parTransId="{1FF487E5-43AF-41D8-8D5A-942A85F0D2DE}" sibTransId="{CC0FA85D-7F9B-424A-BA1A-BC1A3E527ECA}"/>
+    <dgm:cxn modelId="{383A0131-44F3-4138-A910-39749853C162}" type="presOf" srcId="{52862C28-67E1-4554-85DE-42159630BF51}" destId="{6F1643F7-90A8-42C7-B492-297A60C608A4}" srcOrd="0" destOrd="0" presId="urn:microsoft.com/office/officeart/2008/layout/RadialCluster"/>
     <dgm:cxn modelId="{418E1315-F501-4F32-A96E-2A0C5650C946}" type="presOf" srcId="{A82F0C10-7D3F-47AF-8E57-7CA52C04142D}" destId="{FB140C3B-01B5-46FA-9772-0BDF58DEF84C}" srcOrd="0" destOrd="0" presId="urn:microsoft.com/office/officeart/2008/layout/RadialCluster"/>
-    <dgm:cxn modelId="{D4FA7B19-88EF-4B9C-A574-0644BC4DA9BE}" type="presOf" srcId="{D40F3C2F-DB08-460D-9747-44CB53C30AB0}" destId="{CDECAA70-B5B7-4F9F-BA18-18D1F52CEA50}" srcOrd="0" destOrd="0" presId="urn:microsoft.com/office/officeart/2008/layout/RadialCluster"/>
-    <dgm:cxn modelId="{E6B4B520-A7B3-4225-AA15-545891725A04}" type="presOf" srcId="{1FF487E5-43AF-41D8-8D5A-942A85F0D2DE}" destId="{3E6475FA-41D6-47B8-AB75-7AB066CA2CE6}" srcOrd="0" destOrd="0" presId="urn:microsoft.com/office/officeart/2008/layout/RadialCluster"/>
-    <dgm:cxn modelId="{F04F1324-0B0F-4EAD-8A28-853B6DA55F9C}" type="presOf" srcId="{5D596E54-129D-48DF-B876-D7777E4F30CC}" destId="{CA9C7857-7B3C-4C6B-AFA2-4C278C64FDD8}" srcOrd="0" destOrd="0" presId="urn:microsoft.com/office/officeart/2008/layout/RadialCluster"/>
-    <dgm:cxn modelId="{383A0131-44F3-4138-A910-39749853C162}" type="presOf" srcId="{52862C28-67E1-4554-85DE-42159630BF51}" destId="{6F1643F7-90A8-42C7-B492-297A60C608A4}" srcOrd="0" destOrd="0" presId="urn:microsoft.com/office/officeart/2008/layout/RadialCluster"/>
-    <dgm:cxn modelId="{EB489F32-CF20-45F7-986C-69F5442FBCF6}" type="presOf" srcId="{6127F9F2-8AF4-441F-A098-C4AB8E58CC57}" destId="{914D41E0-DC1B-4FFC-82B5-89EFB315E137}" srcOrd="0" destOrd="0" presId="urn:microsoft.com/office/officeart/2008/layout/RadialCluster"/>
-    <dgm:cxn modelId="{9637543A-0E1C-4133-AE87-41E4B92ABB4B}" srcId="{A9B65402-3415-4752-B849-FC98E10E97FA}" destId="{1F88F434-9EC0-483F-BE47-915FA5235688}" srcOrd="6" destOrd="0" parTransId="{D40F3C2F-DB08-460D-9747-44CB53C30AB0}" sibTransId="{C1C31934-2F07-4A0B-BA8B-299AB8FB7981}"/>
+    <dgm:cxn modelId="{E6B8B543-1C4B-4DDC-A7DC-1E39B8827007}" type="presOf" srcId="{1F88F434-9EC0-483F-BE47-915FA5235688}" destId="{CB79C6A6-C80B-41CE-907E-773AD70A08A6}" srcOrd="0" destOrd="0" presId="urn:microsoft.com/office/officeart/2008/layout/RadialCluster"/>
+    <dgm:cxn modelId="{755F166B-6BFE-4830-8C37-3887FE9D8499}" type="presOf" srcId="{32BA64A0-6328-4F46-9459-BE86AC074908}" destId="{CB5DC9D2-53F0-4701-AA94-A259CBEB5E9A}" srcOrd="0" destOrd="0" presId="urn:microsoft.com/office/officeart/2008/layout/RadialCluster"/>
+    <dgm:cxn modelId="{838240E8-9FED-43BE-92E6-306C438BF986}" type="presOf" srcId="{C2A6F5AE-CC4F-4F3B-B022-5937845384AC}" destId="{D00B6CDE-1923-4E24-9CC2-46313E6E841A}" srcOrd="0" destOrd="0" presId="urn:microsoft.com/office/officeart/2008/layout/RadialCluster"/>
     <dgm:cxn modelId="{2040EC5E-8C62-455A-B912-4733C3299C90}" srcId="{A9B65402-3415-4752-B849-FC98E10E97FA}" destId="{32BA64A0-6328-4F46-9459-BE86AC074908}" srcOrd="0" destOrd="0" parTransId="{C8268337-3FDD-4353-AC6A-A990333956C9}" sibTransId="{0E96552C-6A93-4A02-9ACE-3D156D83663A}"/>
     <dgm:cxn modelId="{81AC7841-EBED-49D9-BC58-554DF3ED8D6A}" type="presOf" srcId="{413E2890-02B4-432B-A03B-A86C096DF015}" destId="{F3470325-18A6-4E9D-8BE0-F11CA91AFB22}" srcOrd="0" destOrd="0" presId="urn:microsoft.com/office/officeart/2008/layout/RadialCluster"/>
-    <dgm:cxn modelId="{E6B8B543-1C4B-4DDC-A7DC-1E39B8827007}" type="presOf" srcId="{1F88F434-9EC0-483F-BE47-915FA5235688}" destId="{CB79C6A6-C80B-41CE-907E-773AD70A08A6}" srcOrd="0" destOrd="0" presId="urn:microsoft.com/office/officeart/2008/layout/RadialCluster"/>
-    <dgm:cxn modelId="{8341F965-33CD-4A5E-B734-13ABACF3864D}" srcId="{A9B65402-3415-4752-B849-FC98E10E97FA}" destId="{C2A6F5AE-CC4F-4F3B-B022-5937845384AC}" srcOrd="2" destOrd="0" parTransId="{1FF487E5-43AF-41D8-8D5A-942A85F0D2DE}" sibTransId="{CC0FA85D-7F9B-424A-BA1A-BC1A3E527ECA}"/>
-    <dgm:cxn modelId="{755F166B-6BFE-4830-8C37-3887FE9D8499}" type="presOf" srcId="{32BA64A0-6328-4F46-9459-BE86AC074908}" destId="{CB5DC9D2-53F0-4701-AA94-A259CBEB5E9A}" srcOrd="0" destOrd="0" presId="urn:microsoft.com/office/officeart/2008/layout/RadialCluster"/>
+    <dgm:cxn modelId="{E6B4B520-A7B3-4225-AA15-545891725A04}" type="presOf" srcId="{1FF487E5-43AF-41D8-8D5A-942A85F0D2DE}" destId="{3E6475FA-41D6-47B8-AB75-7AB066CA2CE6}" srcOrd="0" destOrd="0" presId="urn:microsoft.com/office/officeart/2008/layout/RadialCluster"/>
+    <dgm:cxn modelId="{D67C2BC6-547F-4CEB-9F9C-A527B8DDD5AC}" type="presOf" srcId="{27BEAFF6-880E-4353-A397-3FD96AF16BDF}" destId="{142D431B-B6EE-4896-957E-65CE77DDD74E}" srcOrd="0" destOrd="0" presId="urn:microsoft.com/office/officeart/2008/layout/RadialCluster"/>
     <dgm:cxn modelId="{71FAFF6E-5825-4527-9D27-AD405B9E6E93}" type="presOf" srcId="{0A71AADE-0620-4ECF-A375-F5B51F34F7D7}" destId="{AA9E6850-6DA1-4D99-B29E-E926DA1B5E1C}" srcOrd="0" destOrd="0" presId="urn:microsoft.com/office/officeart/2008/layout/RadialCluster"/>
-    <dgm:cxn modelId="{9C3E238C-81CF-47A7-AA90-88C36113083C}" type="presOf" srcId="{A9B65402-3415-4752-B849-FC98E10E97FA}" destId="{72F352EE-56C9-4E16-92B7-E6F10AB866D0}" srcOrd="0" destOrd="0" presId="urn:microsoft.com/office/officeart/2008/layout/RadialCluster"/>
-    <dgm:cxn modelId="{53304A99-5C8C-476C-B3BA-B89D9C23D710}" type="presOf" srcId="{D2C150DD-6FEF-4BD2-8BB6-092B6440CBA6}" destId="{72991B9A-5599-4E18-9F46-210C0D887E6E}" srcOrd="0" destOrd="0" presId="urn:microsoft.com/office/officeart/2008/layout/RadialCluster"/>
+    <dgm:cxn modelId="{C774BEC6-E822-4187-B4A9-C98FB1197C40}" type="presOf" srcId="{C8268337-3FDD-4353-AC6A-A990333956C9}" destId="{A27CF3F7-D130-4298-9756-927E6338A2CC}" srcOrd="0" destOrd="0" presId="urn:microsoft.com/office/officeart/2008/layout/RadialCluster"/>
+    <dgm:cxn modelId="{EB489F32-CF20-45F7-986C-69F5442FBCF6}" type="presOf" srcId="{6127F9F2-8AF4-441F-A098-C4AB8E58CC57}" destId="{914D41E0-DC1B-4FFC-82B5-89EFB315E137}" srcOrd="0" destOrd="0" presId="urn:microsoft.com/office/officeart/2008/layout/RadialCluster"/>
+    <dgm:cxn modelId="{E685D506-5A3C-47A6-8BA6-ACBBB4A41BC7}" srcId="{A9B65402-3415-4752-B849-FC98E10E97FA}" destId="{371BADAF-426A-4729-B8BA-01AD96E92F22}" srcOrd="3" destOrd="0" parTransId="{27BEAFF6-880E-4353-A397-3FD96AF16BDF}" sibTransId="{23D44060-22AB-448A-98C1-33B467F99B7A}"/>
+    <dgm:cxn modelId="{D4FA7B19-88EF-4B9C-A574-0644BC4DA9BE}" type="presOf" srcId="{D40F3C2F-DB08-460D-9747-44CB53C30AB0}" destId="{CDECAA70-B5B7-4F9F-BA18-18D1F52CEA50}" srcOrd="0" destOrd="0" presId="urn:microsoft.com/office/officeart/2008/layout/RadialCluster"/>
+    <dgm:cxn modelId="{9637543A-0E1C-4133-AE87-41E4B92ABB4B}" srcId="{A9B65402-3415-4752-B849-FC98E10E97FA}" destId="{1F88F434-9EC0-483F-BE47-915FA5235688}" srcOrd="6" destOrd="0" parTransId="{D40F3C2F-DB08-460D-9747-44CB53C30AB0}" sibTransId="{C1C31934-2F07-4A0B-BA8B-299AB8FB7981}"/>
     <dgm:cxn modelId="{387364A9-CD8F-457B-A689-B55802ECA511}" srcId="{A9B65402-3415-4752-B849-FC98E10E97FA}" destId="{0A71AADE-0620-4ECF-A375-F5B51F34F7D7}" srcOrd="5" destOrd="0" parTransId="{413E2890-02B4-432B-A03B-A86C096DF015}" sibTransId="{1F9B8EA8-443A-4198-B25F-40DE9D41F2E4}"/>
     <dgm:cxn modelId="{876698BB-14B2-49F3-96A0-7EC23C3A92F7}" type="presOf" srcId="{371BADAF-426A-4729-B8BA-01AD96E92F22}" destId="{9A6C6987-B084-4570-9EDD-92291A84290B}" srcOrd="0" destOrd="0" presId="urn:microsoft.com/office/officeart/2008/layout/RadialCluster"/>
-    <dgm:cxn modelId="{D67C2BC6-547F-4CEB-9F9C-A527B8DDD5AC}" type="presOf" srcId="{27BEAFF6-880E-4353-A397-3FD96AF16BDF}" destId="{142D431B-B6EE-4896-957E-65CE77DDD74E}" srcOrd="0" destOrd="0" presId="urn:microsoft.com/office/officeart/2008/layout/RadialCluster"/>
-    <dgm:cxn modelId="{C774BEC6-E822-4187-B4A9-C98FB1197C40}" type="presOf" srcId="{C8268337-3FDD-4353-AC6A-A990333956C9}" destId="{A27CF3F7-D130-4298-9756-927E6338A2CC}" srcOrd="0" destOrd="0" presId="urn:microsoft.com/office/officeart/2008/layout/RadialCluster"/>
+    <dgm:cxn modelId="{9C3E238C-81CF-47A7-AA90-88C36113083C}" type="presOf" srcId="{A9B65402-3415-4752-B849-FC98E10E97FA}" destId="{72F352EE-56C9-4E16-92B7-E6F10AB866D0}" srcOrd="0" destOrd="0" presId="urn:microsoft.com/office/officeart/2008/layout/RadialCluster"/>
     <dgm:cxn modelId="{E20498D4-D949-467D-B608-1FFD56AE2A75}" srcId="{6127F9F2-8AF4-441F-A098-C4AB8E58CC57}" destId="{A9B65402-3415-4752-B849-FC98E10E97FA}" srcOrd="0" destOrd="0" parTransId="{DF5E965D-5327-40A1-880D-645071760C77}" sibTransId="{B4D5DCDF-8325-4D8D-B8EC-6945888FAB76}"/>
-    <dgm:cxn modelId="{7E863FD9-200A-4B7E-A0FF-1E8BF30928D5}" srcId="{A9B65402-3415-4752-B849-FC98E10E97FA}" destId="{5D596E54-129D-48DF-B876-D7777E4F30CC}" srcOrd="4" destOrd="0" parTransId="{A82F0C10-7D3F-47AF-8E57-7CA52C04142D}" sibTransId="{2AB19C34-4B41-4956-AA02-8DEEE4134F06}"/>
-    <dgm:cxn modelId="{838240E8-9FED-43BE-92E6-306C438BF986}" type="presOf" srcId="{C2A6F5AE-CC4F-4F3B-B022-5937845384AC}" destId="{D00B6CDE-1923-4E24-9CC2-46313E6E841A}" srcOrd="0" destOrd="0" presId="urn:microsoft.com/office/officeart/2008/layout/RadialCluster"/>
+    <dgm:cxn modelId="{E3026014-B159-472B-854E-C4923A50EFFF}" srcId="{A9B65402-3415-4752-B849-FC98E10E97FA}" destId="{D2C150DD-6FEF-4BD2-8BB6-092B6440CBA6}" srcOrd="1" destOrd="0" parTransId="{52862C28-67E1-4554-85DE-42159630BF51}" sibTransId="{F6864EB7-34AA-40FF-9943-62522D49A26D}"/>
     <dgm:cxn modelId="{1B25E0B9-5ED9-4CA0-B37F-653EEEA8DB53}" type="presParOf" srcId="{914D41E0-DC1B-4FFC-82B5-89EFB315E137}" destId="{52F336F9-37B6-4609-A290-CC7F5C00E1E9}" srcOrd="0" destOrd="0" presId="urn:microsoft.com/office/officeart/2008/layout/RadialCluster"/>
     <dgm:cxn modelId="{32043AC6-5EF4-4BD3-9200-9EF370684A56}" type="presParOf" srcId="{52F336F9-37B6-4609-A290-CC7F5C00E1E9}" destId="{72F352EE-56C9-4E16-92B7-E6F10AB866D0}" srcOrd="0" destOrd="0" presId="urn:microsoft.com/office/officeart/2008/layout/RadialCluster"/>
     <dgm:cxn modelId="{EF6B3389-C1A0-4B37-BC58-B3B28B19E7FF}" type="presParOf" srcId="{52F336F9-37B6-4609-A290-CC7F5C00E1E9}" destId="{A27CF3F7-D130-4298-9756-927E6338A2CC}" srcOrd="1" destOrd="0" presId="urn:microsoft.com/office/officeart/2008/layout/RadialCluster"/>
@@ -2440,6 +2553,13 @@
         </dgm:presLayoutVars>
       </dgm:prSet>
       <dgm:spPr/>
+      <dgm:t>
+        <a:bodyPr/>
+        <a:lstStyle/>
+        <a:p>
+          <a:endParaRPr lang="en-US"/>
+        </a:p>
+      </dgm:t>
     </dgm:pt>
     <dgm:pt modelId="{29467427-0F4E-4450-B1E3-5D1904E3FF90}" type="pres">
       <dgm:prSet presAssocID="{A9B65402-3415-4752-B849-FC98E10E97FA}" presName="Accent1" presStyleCnt="0"/>
@@ -2462,12 +2582,19 @@
         </dgm:presLayoutVars>
       </dgm:prSet>
       <dgm:spPr/>
+      <dgm:t>
+        <a:bodyPr/>
+        <a:lstStyle/>
+        <a:p>
+          <a:endParaRPr lang="en-US"/>
+        </a:p>
+      </dgm:t>
     </dgm:pt>
   </dgm:ptLst>
   <dgm:cxnLst>
     <dgm:cxn modelId="{19BCD40C-2B4B-42BE-9BD7-C16ADDD9154C}" type="presOf" srcId="{6127F9F2-8AF4-441F-A098-C4AB8E58CC57}" destId="{18DE711F-9579-4E53-A2E0-EC65F37AA84C}" srcOrd="0" destOrd="0" presId="urn:microsoft.com/office/officeart/2009/layout/CircleArrowProcess"/>
+    <dgm:cxn modelId="{E20498D4-D949-467D-B608-1FFD56AE2A75}" srcId="{6127F9F2-8AF4-441F-A098-C4AB8E58CC57}" destId="{A9B65402-3415-4752-B849-FC98E10E97FA}" srcOrd="0" destOrd="0" parTransId="{DF5E965D-5327-40A1-880D-645071760C77}" sibTransId="{B4D5DCDF-8325-4D8D-B8EC-6945888FAB76}"/>
     <dgm:cxn modelId="{8926CC60-C1C9-42DB-89FA-3F9CD7019BE1}" type="presOf" srcId="{A9B65402-3415-4752-B849-FC98E10E97FA}" destId="{B70C9815-E37A-4D30-B569-7F34A4FCA260}" srcOrd="0" destOrd="0" presId="urn:microsoft.com/office/officeart/2009/layout/CircleArrowProcess"/>
-    <dgm:cxn modelId="{E20498D4-D949-467D-B608-1FFD56AE2A75}" srcId="{6127F9F2-8AF4-441F-A098-C4AB8E58CC57}" destId="{A9B65402-3415-4752-B849-FC98E10E97FA}" srcOrd="0" destOrd="0" parTransId="{DF5E965D-5327-40A1-880D-645071760C77}" sibTransId="{B4D5DCDF-8325-4D8D-B8EC-6945888FAB76}"/>
     <dgm:cxn modelId="{5D1197D9-56A1-496C-A03F-66070E1902D3}" type="presParOf" srcId="{18DE711F-9579-4E53-A2E0-EC65F37AA84C}" destId="{29467427-0F4E-4450-B1E3-5D1904E3FF90}" srcOrd="0" destOrd="0" presId="urn:microsoft.com/office/officeart/2009/layout/CircleArrowProcess"/>
     <dgm:cxn modelId="{2CD16BC2-151E-4A40-A255-0745DBAB6A5A}" type="presParOf" srcId="{29467427-0F4E-4450-B1E3-5D1904E3FF90}" destId="{4B416BA1-0E53-4881-8D0D-76031DCEE5B9}" srcOrd="0" destOrd="0" presId="urn:microsoft.com/office/officeart/2009/layout/CircleArrowProcess"/>
     <dgm:cxn modelId="{44D21D2A-CA60-443C-B301-1719DA347A07}" type="presParOf" srcId="{18DE711F-9579-4E53-A2E0-EC65F37AA84C}" destId="{B70C9815-E37A-4D30-B569-7F34A4FCA260}" srcOrd="1" destOrd="0" presId="urn:microsoft.com/office/officeart/2009/layout/CircleArrowProcess"/>
@@ -2572,7 +2699,7 @@
         </a:bodyPr>
         <a:lstStyle/>
         <a:p>
-          <a:pPr marL="0" lvl="0" indent="0" algn="ctr" defTabSz="622300">
+          <a:pPr lvl="0" algn="ctr" defTabSz="622300">
             <a:lnSpc>
               <a:spcPct val="90000"/>
             </a:lnSpc>
@@ -2582,7 +2709,6 @@
             <a:spcAft>
               <a:spcPct val="35000"/>
             </a:spcAft>
-            <a:buNone/>
           </a:pPr>
           <a:r>
             <a:rPr lang="en-US" sz="1400" kern="1200" dirty="0"/>
@@ -2732,7 +2858,7 @@
         </a:bodyPr>
         <a:lstStyle/>
         <a:p>
-          <a:pPr marL="0" lvl="0" indent="0" algn="ctr" defTabSz="444500">
+          <a:pPr lvl="0" algn="ctr" defTabSz="444500">
             <a:lnSpc>
               <a:spcPct val="90000"/>
             </a:lnSpc>
@@ -2742,7 +2868,6 @@
             <a:spcAft>
               <a:spcPct val="35000"/>
             </a:spcAft>
-            <a:buNone/>
           </a:pPr>
           <a:r>
             <a:rPr lang="en-US" sz="1000" kern="1200" dirty="0"/>
@@ -2892,7 +3017,7 @@
         </a:bodyPr>
         <a:lstStyle/>
         <a:p>
-          <a:pPr marL="0" lvl="0" indent="0" algn="ctr" defTabSz="444500">
+          <a:pPr lvl="0" algn="ctr" defTabSz="444500">
             <a:lnSpc>
               <a:spcPct val="90000"/>
             </a:lnSpc>
@@ -2902,7 +3027,6 @@
             <a:spcAft>
               <a:spcPct val="35000"/>
             </a:spcAft>
-            <a:buNone/>
           </a:pPr>
           <a:r>
             <a:rPr lang="en-US" sz="1000" kern="1200" dirty="0"/>
@@ -3052,7 +3176,7 @@
         </a:bodyPr>
         <a:lstStyle/>
         <a:p>
-          <a:pPr marL="0" lvl="0" indent="0" algn="ctr" defTabSz="444500">
+          <a:pPr lvl="0" algn="ctr" defTabSz="444500">
             <a:lnSpc>
               <a:spcPct val="90000"/>
             </a:lnSpc>
@@ -3062,7 +3186,6 @@
             <a:spcAft>
               <a:spcPct val="35000"/>
             </a:spcAft>
-            <a:buNone/>
           </a:pPr>
           <a:r>
             <a:rPr lang="en-US" sz="1000" kern="1200" dirty="0"/>
@@ -3212,7 +3335,7 @@
         </a:bodyPr>
         <a:lstStyle/>
         <a:p>
-          <a:pPr marL="0" lvl="0" indent="0" algn="ctr" defTabSz="444500">
+          <a:pPr lvl="0" algn="ctr" defTabSz="444500">
             <a:lnSpc>
               <a:spcPct val="90000"/>
             </a:lnSpc>
@@ -3222,7 +3345,6 @@
             <a:spcAft>
               <a:spcPct val="35000"/>
             </a:spcAft>
-            <a:buNone/>
           </a:pPr>
           <a:r>
             <a:rPr lang="en-US" sz="1000" kern="1200" dirty="0"/>
@@ -3372,7 +3494,7 @@
         </a:bodyPr>
         <a:lstStyle/>
         <a:p>
-          <a:pPr marL="0" lvl="0" indent="0" algn="ctr" defTabSz="444500">
+          <a:pPr lvl="0" algn="ctr" defTabSz="444500">
             <a:lnSpc>
               <a:spcPct val="90000"/>
             </a:lnSpc>
@@ -3382,7 +3504,6 @@
             <a:spcAft>
               <a:spcPct val="35000"/>
             </a:spcAft>
-            <a:buNone/>
           </a:pPr>
           <a:r>
             <a:rPr lang="en-US" sz="1000" kern="1200" dirty="0"/>
@@ -3532,7 +3653,7 @@
         </a:bodyPr>
         <a:lstStyle/>
         <a:p>
-          <a:pPr marL="0" lvl="0" indent="0" algn="ctr" defTabSz="444500">
+          <a:pPr lvl="0" algn="ctr" defTabSz="444500">
             <a:lnSpc>
               <a:spcPct val="90000"/>
             </a:lnSpc>
@@ -3542,7 +3663,6 @@
             <a:spcAft>
               <a:spcPct val="35000"/>
             </a:spcAft>
-            <a:buNone/>
           </a:pPr>
           <a:r>
             <a:rPr lang="en-US" sz="1000" kern="1200" dirty="0"/>
@@ -3692,7 +3812,7 @@
         </a:bodyPr>
         <a:lstStyle/>
         <a:p>
-          <a:pPr marL="0" lvl="0" indent="0" algn="ctr" defTabSz="444500">
+          <a:pPr lvl="0" algn="ctr" defTabSz="444500">
             <a:lnSpc>
               <a:spcPct val="90000"/>
             </a:lnSpc>
@@ -3702,7 +3822,6 @@
             <a:spcAft>
               <a:spcPct val="35000"/>
             </a:spcAft>
-            <a:buNone/>
           </a:pPr>
           <a:r>
             <a:rPr lang="en-US" sz="1000" kern="1200" dirty="0"/>
@@ -3806,7 +3925,7 @@
         </a:bodyPr>
         <a:lstStyle/>
         <a:p>
-          <a:pPr marL="0" lvl="0" indent="0" algn="ctr" defTabSz="1600200">
+          <a:pPr lvl="0" algn="ctr" defTabSz="1600200">
             <a:lnSpc>
               <a:spcPct val="90000"/>
             </a:lnSpc>
@@ -3816,7 +3935,6 @@
             <a:spcAft>
               <a:spcPct val="35000"/>
             </a:spcAft>
-            <a:buNone/>
           </a:pPr>
           <a:r>
             <a:rPr lang="en-US" sz="3600" kern="1200" dirty="0"/>
@@ -11217,7 +11335,7 @@
           <a:p>
             <a:fld id="{48A87A34-81AB-432B-8DAE-1953F412C126}" type="datetimeFigureOut">
               <a:rPr lang="en-US" smtClean="0"/>
-              <a:t>9/9/2018</a:t>
+              <a:t>9/10/2018</a:t>
             </a:fld>
             <a:endParaRPr lang="en-US" dirty="0"/>
           </a:p>
@@ -11504,7 +11622,7 @@
             <a:fld id="{48A87A34-81AB-432B-8DAE-1953F412C126}" type="datetimeFigureOut">
               <a:rPr lang="en-US" smtClean="0"/>
               <a:pPr/>
-              <a:t>9/9/2018</a:t>
+              <a:t>9/10/2018</a:t>
             </a:fld>
             <a:endParaRPr lang="en-US" dirty="0"/>
           </a:p>
@@ -11698,7 +11816,7 @@
             <a:fld id="{48A87A34-81AB-432B-8DAE-1953F412C126}" type="datetimeFigureOut">
               <a:rPr lang="en-US" smtClean="0"/>
               <a:pPr/>
-              <a:t>9/9/2018</a:t>
+              <a:t>9/10/2018</a:t>
             </a:fld>
             <a:endParaRPr lang="en-US" dirty="0"/>
           </a:p>
@@ -11961,7 +12079,7 @@
             <a:fld id="{48A87A34-81AB-432B-8DAE-1953F412C126}" type="datetimeFigureOut">
               <a:rPr lang="en-US" smtClean="0"/>
               <a:pPr/>
-              <a:t>9/9/2018</a:t>
+              <a:t>9/10/2018</a:t>
             </a:fld>
             <a:endParaRPr lang="en-US" dirty="0"/>
           </a:p>
@@ -12389,7 +12507,7 @@
             <a:fld id="{48A87A34-81AB-432B-8DAE-1953F412C126}" type="datetimeFigureOut">
               <a:rPr lang="en-US" smtClean="0"/>
               <a:pPr/>
-              <a:t>9/9/2018</a:t>
+              <a:t>9/10/2018</a:t>
             </a:fld>
             <a:endParaRPr lang="en-US" dirty="0"/>
           </a:p>
@@ -12937,7 +13055,7 @@
             <a:fld id="{48A87A34-81AB-432B-8DAE-1953F412C126}" type="datetimeFigureOut">
               <a:rPr lang="en-US" smtClean="0"/>
               <a:pPr/>
-              <a:t>9/9/2018</a:t>
+              <a:t>9/10/2018</a:t>
             </a:fld>
             <a:endParaRPr lang="en-US" dirty="0"/>
           </a:p>
@@ -13770,7 +13888,7 @@
             <a:fld id="{48A87A34-81AB-432B-8DAE-1953F412C126}" type="datetimeFigureOut">
               <a:rPr lang="en-US" smtClean="0"/>
               <a:pPr/>
-              <a:t>9/9/2018</a:t>
+              <a:t>9/10/2018</a:t>
             </a:fld>
             <a:endParaRPr lang="en-US" dirty="0"/>
           </a:p>
@@ -13941,7 +14059,7 @@
           <a:p>
             <a:fld id="{48A87A34-81AB-432B-8DAE-1953F412C126}" type="datetimeFigureOut">
               <a:rPr lang="en-US" smtClean="0"/>
-              <a:t>9/9/2018</a:t>
+              <a:t>9/10/2018</a:t>
             </a:fld>
             <a:endParaRPr lang="en-US" dirty="0"/>
           </a:p>
@@ -14121,7 +14239,7 @@
           <a:p>
             <a:fld id="{48A87A34-81AB-432B-8DAE-1953F412C126}" type="datetimeFigureOut">
               <a:rPr lang="en-US" smtClean="0"/>
-              <a:t>9/9/2018</a:t>
+              <a:t>9/10/2018</a:t>
             </a:fld>
             <a:endParaRPr lang="en-US" dirty="0"/>
           </a:p>
@@ -14297,7 +14415,7 @@
             <a:fld id="{48A87A34-81AB-432B-8DAE-1953F412C126}" type="datetimeFigureOut">
               <a:rPr lang="en-US" smtClean="0"/>
               <a:pPr/>
-              <a:t>9/9/2018</a:t>
+              <a:t>9/10/2018</a:t>
             </a:fld>
             <a:endParaRPr lang="en-US" dirty="0"/>
           </a:p>
@@ -14554,7 +14672,7 @@
           <a:p>
             <a:fld id="{48A87A34-81AB-432B-8DAE-1953F412C126}" type="datetimeFigureOut">
               <a:rPr lang="en-US" smtClean="0"/>
-              <a:t>9/9/2018</a:t>
+              <a:t>9/10/2018</a:t>
             </a:fld>
             <a:endParaRPr lang="en-US" dirty="0"/>
           </a:p>
@@ -14791,7 +14909,7 @@
           <a:p>
             <a:fld id="{48A87A34-81AB-432B-8DAE-1953F412C126}" type="datetimeFigureOut">
               <a:rPr lang="en-US" smtClean="0"/>
-              <a:t>9/9/2018</a:t>
+              <a:t>9/10/2018</a:t>
             </a:fld>
             <a:endParaRPr lang="en-US" dirty="0"/>
           </a:p>
@@ -15185,7 +15303,7 @@
             <a:fld id="{48A87A34-81AB-432B-8DAE-1953F412C126}" type="datetimeFigureOut">
               <a:rPr lang="en-US" smtClean="0"/>
               <a:pPr/>
-              <a:t>9/9/2018</a:t>
+              <a:t>9/10/2018</a:t>
             </a:fld>
             <a:endParaRPr lang="en-US" dirty="0"/>
           </a:p>
@@ -15304,7 +15422,7 @@
           <a:p>
             <a:fld id="{48A87A34-81AB-432B-8DAE-1953F412C126}" type="datetimeFigureOut">
               <a:rPr lang="en-US" smtClean="0"/>
-              <a:t>9/9/2018</a:t>
+              <a:t>9/10/2018</a:t>
             </a:fld>
             <a:endParaRPr lang="en-US" dirty="0"/>
           </a:p>
@@ -15399,7 +15517,7 @@
           <a:p>
             <a:fld id="{48A87A34-81AB-432B-8DAE-1953F412C126}" type="datetimeFigureOut">
               <a:rPr lang="en-US" smtClean="0"/>
-              <a:t>9/9/2018</a:t>
+              <a:t>9/10/2018</a:t>
             </a:fld>
             <a:endParaRPr lang="en-US" dirty="0"/>
           </a:p>
@@ -15672,7 +15790,7 @@
           <a:p>
             <a:fld id="{48A87A34-81AB-432B-8DAE-1953F412C126}" type="datetimeFigureOut">
               <a:rPr lang="en-US" smtClean="0"/>
-              <a:t>9/9/2018</a:t>
+              <a:t>9/10/2018</a:t>
             </a:fld>
             <a:endParaRPr lang="en-US" dirty="0"/>
           </a:p>
@@ -15954,7 +16072,7 @@
             <a:fld id="{48A87A34-81AB-432B-8DAE-1953F412C126}" type="datetimeFigureOut">
               <a:rPr lang="en-US" smtClean="0"/>
               <a:pPr/>
-              <a:t>9/9/2018</a:t>
+              <a:t>9/10/2018</a:t>
             </a:fld>
             <a:endParaRPr lang="en-US" dirty="0"/>
           </a:p>
@@ -16196,7 +16314,7 @@
             <a:fld id="{48A87A34-81AB-432B-8DAE-1953F412C126}" type="datetimeFigureOut">
               <a:rPr lang="en-US" smtClean="0"/>
               <a:pPr/>
-              <a:t>9/9/2018</a:t>
+              <a:t>9/10/2018</a:t>
             </a:fld>
             <a:endParaRPr lang="en-US" dirty="0"/>
           </a:p>
@@ -16933,8 +17051,217 @@
           <a:lstStyle/>
           <a:p>
             <a:r>
+              <a:rPr lang="en-US" altLang="en-US" dirty="0" smtClean="0"/>
+              <a:t>Ansible</a:t>
+            </a:r>
+            <a:endParaRPr lang="en-US" dirty="0"/>
+          </a:p>
+        </p:txBody>
+      </p:sp>
+      <p:sp>
+        <p:nvSpPr>
+          <p:cNvPr id="3" name="Content Placeholder 2">
+            <a:extLst>
+              <a:ext uri="{FF2B5EF4-FFF2-40B4-BE49-F238E27FC236}">
+                <a16:creationId xmlns:a16="http://schemas.microsoft.com/office/drawing/2014/main" id="{1DA9EDBB-7513-4B44-AC2F-85F9DFCCE839}"/>
+              </a:ext>
+            </a:extLst>
+          </p:cNvPr>
+          <p:cNvSpPr>
+            <a:spLocks noGrp="1"/>
+          </p:cNvSpPr>
+          <p:nvPr>
+            <p:ph idx="1"/>
+          </p:nvPr>
+        </p:nvSpPr>
+        <p:spPr>
+          <a:xfrm>
+            <a:off x="1120000" y="1825624"/>
+            <a:ext cx="10233800" cy="4667251"/>
+          </a:xfrm>
+        </p:spPr>
+        <p:txBody>
+          <a:bodyPr>
+            <a:normAutofit/>
+          </a:bodyPr>
+          <a:lstStyle/>
+          <a:p>
+            <a:pPr>
+              <a:defRPr/>
+            </a:pPr>
+            <a:r>
               <a:rPr lang="en-US" dirty="0"/>
-              <a:t>Community of Practice</a:t>
+              <a:t>Ansible is an automation tool/framework that enables the user to issue commands to a remote server over </a:t>
+            </a:r>
+            <a:r>
+              <a:rPr lang="en-US" dirty="0" err="1"/>
+              <a:t>ssh</a:t>
+            </a:r>
+            <a:r>
+              <a:rPr lang="en-US" dirty="0"/>
+              <a:t>.  </a:t>
+            </a:r>
+          </a:p>
+          <a:p>
+            <a:pPr>
+              <a:defRPr/>
+            </a:pPr>
+            <a:r>
+              <a:rPr lang="en-US" dirty="0"/>
+              <a:t>Commands are implemented as tasks in Ansible.  </a:t>
+            </a:r>
+          </a:p>
+          <a:p>
+            <a:pPr>
+              <a:defRPr/>
+            </a:pPr>
+            <a:r>
+              <a:rPr lang="en-US" dirty="0"/>
+              <a:t>Tasks are added to playbooks and run via the Ansible command line interface </a:t>
+            </a:r>
+            <a:r>
+              <a:rPr lang="en-US" dirty="0" smtClean="0"/>
+              <a:t>(Engine), or from a web interface (Tower). </a:t>
+            </a:r>
+            <a:endParaRPr lang="en-US" dirty="0"/>
+          </a:p>
+          <a:p>
+            <a:pPr>
+              <a:defRPr/>
+            </a:pPr>
+            <a:r>
+              <a:rPr lang="en-US" dirty="0"/>
+              <a:t>Ansible tasks use modules written in Python to copy files, and process system calls on remote hosts. </a:t>
+            </a:r>
+          </a:p>
+          <a:p>
+            <a:pPr>
+              <a:defRPr/>
+            </a:pPr>
+            <a:r>
+              <a:rPr lang="en-US" dirty="0"/>
+              <a:t>Ansible is also a CM tool that can be used to audit system </a:t>
+            </a:r>
+            <a:r>
+              <a:rPr lang="en-US" dirty="0" smtClean="0"/>
+              <a:t>configurations.</a:t>
+            </a:r>
+          </a:p>
+          <a:p>
+            <a:pPr>
+              <a:defRPr/>
+            </a:pPr>
+            <a:r>
+              <a:rPr lang="en-US" dirty="0"/>
+              <a:t>Works on Linux, Windows, F5 </a:t>
+            </a:r>
+            <a:r>
+              <a:rPr lang="en-US" dirty="0" err="1"/>
+              <a:t>BigIP</a:t>
+            </a:r>
+            <a:r>
+              <a:rPr lang="en-US" dirty="0"/>
+              <a:t>, and other network devices</a:t>
+            </a:r>
+            <a:r>
+              <a:rPr lang="en-US" dirty="0" smtClean="0"/>
+              <a:t>.</a:t>
+            </a:r>
+            <a:endParaRPr lang="en-US" dirty="0"/>
+          </a:p>
+          <a:p>
+            <a:endParaRPr lang="en-US" dirty="0"/>
+          </a:p>
+        </p:txBody>
+      </p:sp>
+    </p:spTree>
+    <p:extLst>
+      <p:ext uri="{BB962C8B-B14F-4D97-AF65-F5344CB8AC3E}">
+        <p14:creationId xmlns:p14="http://schemas.microsoft.com/office/powerpoint/2010/main" val="4050177159"/>
+      </p:ext>
+    </p:extLst>
+  </p:cSld>
+  <p:clrMapOvr>
+    <a:masterClrMapping/>
+  </p:clrMapOvr>
+</p:sld>
+</file>
+
+<file path=ppt/slides/slide3.xml><?xml version="1.0" encoding="utf-8"?>
+<p:sld xmlns:a="http://schemas.openxmlformats.org/drawingml/2006/main" xmlns:r="http://schemas.openxmlformats.org/officeDocument/2006/relationships" xmlns:p="http://schemas.openxmlformats.org/presentationml/2006/main">
+  <p:cSld>
+    <p:spTree>
+      <p:nvGrpSpPr>
+        <p:cNvPr id="1" name=""/>
+        <p:cNvGrpSpPr/>
+        <p:nvPr/>
+      </p:nvGrpSpPr>
+      <p:grpSpPr>
+        <a:xfrm>
+          <a:off x="0" y="0"/>
+          <a:ext cx="0" cy="0"/>
+          <a:chOff x="0" y="0"/>
+          <a:chExt cx="0" cy="0"/>
+        </a:xfrm>
+      </p:grpSpPr>
+      <p:pic>
+        <p:nvPicPr>
+          <p:cNvPr id="7" name="Picture 6">
+            <a:extLst>
+              <a:ext uri="{FF2B5EF4-FFF2-40B4-BE49-F238E27FC236}">
+                <a16:creationId xmlns:a16="http://schemas.microsoft.com/office/drawing/2014/main" id="{CD2E19BB-474F-44D8-8CA5-9863E0415710}"/>
+              </a:ext>
+            </a:extLst>
+          </p:cNvPr>
+          <p:cNvPicPr>
+            <a:picLocks noChangeAspect="1"/>
+          </p:cNvPicPr>
+          <p:nvPr/>
+        </p:nvPicPr>
+        <p:blipFill>
+          <a:blip r:embed="rId2"/>
+          <a:stretch>
+            <a:fillRect/>
+          </a:stretch>
+        </p:blipFill>
+        <p:spPr>
+          <a:xfrm>
+            <a:off x="10238325" y="468926"/>
+            <a:ext cx="1115475" cy="1117960"/>
+          </a:xfrm>
+          <a:prstGeom prst="rect">
+            <a:avLst/>
+          </a:prstGeom>
+        </p:spPr>
+      </p:pic>
+      <p:sp>
+        <p:nvSpPr>
+          <p:cNvPr id="2" name="Title 1">
+            <a:extLst>
+              <a:ext uri="{FF2B5EF4-FFF2-40B4-BE49-F238E27FC236}">
+                <a16:creationId xmlns:a16="http://schemas.microsoft.com/office/drawing/2014/main" id="{977E818D-F515-4E7F-867B-7D47AA51809A}"/>
+              </a:ext>
+            </a:extLst>
+          </p:cNvPr>
+          <p:cNvSpPr>
+            <a:spLocks noGrp="1"/>
+          </p:cNvSpPr>
+          <p:nvPr>
+            <p:ph type="title"/>
+          </p:nvPr>
+        </p:nvSpPr>
+        <p:spPr/>
+        <p:txBody>
+          <a:bodyPr/>
+          <a:lstStyle/>
+          <a:p>
+            <a:r>
+              <a:rPr lang="en-US" dirty="0" smtClean="0"/>
+              <a:t>Community </a:t>
+            </a:r>
+            <a:r>
+              <a:rPr lang="en-US" dirty="0"/>
+              <a:t>of Practice</a:t>
             </a:r>
           </a:p>
         </p:txBody>
@@ -17059,7 +17386,7 @@
 </p:sld>
 </file>
 
-<file path=ppt/slides/slide3.xml><?xml version="1.0" encoding="utf-8"?>
+<file path=ppt/slides/slide4.xml><?xml version="1.0" encoding="utf-8"?>
 <p:sld xmlns:a="http://schemas.openxmlformats.org/drawingml/2006/main" xmlns:r="http://schemas.openxmlformats.org/officeDocument/2006/relationships" xmlns:p="http://schemas.openxmlformats.org/presentationml/2006/main">
   <p:cSld>
     <p:spTree>
@@ -17144,7 +17471,7 @@
 </p:sld>
 </file>
 
-<file path=ppt/slides/slide4.xml><?xml version="1.0" encoding="utf-8"?>
+<file path=ppt/slides/slide5.xml><?xml version="1.0" encoding="utf-8"?>
 <p:sld xmlns:a="http://schemas.openxmlformats.org/drawingml/2006/main" xmlns:r="http://schemas.openxmlformats.org/officeDocument/2006/relationships" xmlns:p="http://schemas.openxmlformats.org/presentationml/2006/main">
   <p:cSld>
     <p:spTree>
@@ -17237,13 +17564,13 @@
             <p:ph idx="1"/>
             <p:extLst>
               <p:ext uri="{D42A27DB-BD31-4B8C-83A1-F6EECF244321}">
-                <p14:modId xmlns:p14="http://schemas.microsoft.com/office/powerpoint/2010/main" val="3354268100"/>
+                <p14:modId xmlns:p14="http://schemas.microsoft.com/office/powerpoint/2010/main" val="4044190822"/>
               </p:ext>
             </p:extLst>
           </p:nvPr>
         </p:nvGraphicFramePr>
         <p:xfrm>
-          <a:off x="1120775" y="1825625"/>
+          <a:off x="1120775" y="1976237"/>
           <a:ext cx="10233026" cy="4145280"/>
         </p:xfrm>
         <a:graphic>
@@ -17582,7 +17909,7 @@
 </p:sld>
 </file>
 
-<file path=ppt/slides/slide5.xml><?xml version="1.0" encoding="utf-8"?>
+<file path=ppt/slides/slide6.xml><?xml version="1.0" encoding="utf-8"?>
 <p:sld xmlns:a="http://schemas.openxmlformats.org/drawingml/2006/main" xmlns:r="http://schemas.openxmlformats.org/officeDocument/2006/relationships" xmlns:p="http://schemas.openxmlformats.org/presentationml/2006/main">
   <p:cSld>
     <p:spTree>
@@ -17613,7 +17940,7 @@
         </p:nvGrpSpPr>
         <p:grpSpPr>
           <a:xfrm rot="16200000">
-            <a:off x="3682998" y="-1917703"/>
+            <a:off x="3704514" y="-1605721"/>
             <a:ext cx="4521201" cy="11455403"/>
             <a:chOff x="5013887" y="695325"/>
             <a:chExt cx="2164224" cy="5467349"/>
@@ -18623,7 +18950,7 @@
 </p:sld>
 </file>
 
-<file path=ppt/slides/slide6.xml><?xml version="1.0" encoding="utf-8"?>
+<file path=ppt/slides/slide7.xml><?xml version="1.0" encoding="utf-8"?>
 <p:sld xmlns:a="http://schemas.openxmlformats.org/drawingml/2006/main" xmlns:r="http://schemas.openxmlformats.org/officeDocument/2006/relationships" xmlns:p="http://schemas.openxmlformats.org/presentationml/2006/main">
   <p:cSld>
     <p:spTree>
@@ -18967,4 +19294,629 @@
     </a:ext>
   </a:extLst>
 </a:theme>
+</file>
+
+<file path=_xmlsignatures/sig1.xml><?xml version="1.0" encoding="utf-8"?>
+<Signature xmlns="http://www.w3.org/2000/09/xmldsig#" Id="idPackageSignature">
+  <SignedInfo>
+    <CanonicalizationMethod Algorithm="http://www.w3.org/TR/2001/REC-xml-c14n-20010315"/>
+    <SignatureMethod Algorithm="http://www.w3.org/2001/04/xmldsig-more#rsa-sha256"/>
+    <Reference Type="http://www.w3.org/2000/09/xmldsig#Object" URI="#idPackageObject">
+      <DigestMethod Algorithm="http://www.w3.org/2001/04/xmlenc#sha256"/>
+      <DigestValue>2ROMXlNzLkfmLAc5yO72QAYNQMQFgXP1UScV0bC0u+A=</DigestValue>
+    </Reference>
+    <Reference Type="http://www.w3.org/2000/09/xmldsig#Object" URI="#idOfficeObject">
+      <DigestMethod Algorithm="http://www.w3.org/2001/04/xmlenc#sha256"/>
+      <DigestValue>3n7ogf5MQxW27Fw7UE4XHQkWRCKyzFaK0bKLezYfa6g=</DigestValue>
+    </Reference>
+    <Reference Type="http://uri.etsi.org/01903#SignedProperties" URI="#idSignedProperties">
+      <Transforms>
+        <Transform Algorithm="http://www.w3.org/TR/2001/REC-xml-c14n-20010315"/>
+      </Transforms>
+      <DigestMethod Algorithm="http://www.w3.org/2001/04/xmlenc#sha256"/>
+      <DigestValue>4r+2BVPO9FBFm/erySZlWXGz481RRdSPTzcZ6XgGuyw=</DigestValue>
+    </Reference>
+  </SignedInfo>
+  <SignatureValue>pI0HzcnKWrLeKcvFxDOmHALm8RkQ4aiwJMxfPI6HqcxCkGo1OLhYjZaw9w3bbaLPt1pViSy03vPk
+9X/VTJWRuJW1oDXB00B686XwvcJ6R4s3IVp583MgBvpallhH8fbt1YDA2PqAVfQoSVV164N7Nnff
+MivwaXlI5tz5Odq1k2KceameYryTzRvwRpu452GRaVqWIl68QccBhSXk+1tO+dpxDGuejlRoTl5P
+UT5IXBxf0M3cCJFcoD/XRJgem/SUDJuB3RU5LyIw7/pAhpiCH+EVIFi6l7gru2yk5qHAXdo4tm0h
+khniWXOUSuJHi45sZUy+yz48V6OVKLrHJZcNjg==</SignatureValue>
+  <KeyInfo>
+    <X509Data>
+      <X509Certificate>MIIFrDCCBJSgAwIBAgIQdKoa+oBZY8hHPTKRez7ncTANBgkqhkiG9w0BAQsFADCBjDELMAkGA1UEBhMCVVMxGDAWBgNVBAoTD1UuUy4gR292ZXJubWVudDEqMCgGA1UECxMhVS5TLiBEZXBhcnRtZW50IG9mIFRyYW5zcG9ydGF0aW9uMTcwNQYDVQQDEy5VLlMuIERlcGFydG1lbnQgb2YgVHJhbnNwb3J0YXRpb24gQWdlbmN5IENBIEc0MB4XDTE3MDUxMDAwMDAwMFoXDTIwMDQwMjIzNTk1OVowYDELMAkGA1UEBhMCVVMxGDAWBgNVBAoTD1UuUy4gR292ZXJubWVudDEMMAoGA1UECxMDQUNUMQwwCgYDVQQLEwNBQ1QxGzAZBgNVBAMTElNDT1RUIFJPQkVSVCBUVUxMWTCCASIwDQYJKoZIhvcNAQEBBQADggEPADCCAQoCggEBANE4+GydknTwQPvLjgP8Ns/+2N8GI2PgDF4KkvPQq9YWwAVStztb7JwLraH4jVVXAKaNZxmTnKvVmrKSL/QpyFuUDBY1Bw2R02RrJlyMRkC5rkoT4aFgeQSByF6eIajgeiQfNboWGjG/hhP5OmQErZ5ycLHizHzfysED5ugrVmNDJN4ZsXfFlCni4ExStkAmjdHKGjrwK9zVM4P2JsZP7OEt4CKXh7m9U4J9VnlPi1yiMW6oiJI4b6VwskbwFbtcc2d/lzX0wa4ENRpGLxw49EZpHLd/3dG/5Xg/H6Kxa8JdXHcVt4LOIujwQjrrdBfaXSrFJDtlTCrew5bNXJCUu20CAwEAAaOCAjMwggIvMIGlBgNVHREEgZ0wgZqgJwYIYIZIAWUDBgagGwQZ02aA2CEMLE5CsIWhaFghCEnIVhCAQhhX4aAnBgorBgEEAYI3FAIDoBkMF3Njb3R0IGN0ciB0dWxseUBmYWEuZ292gRdzY290dC5jdHIudHVsbHlAZmFhLmdvdoYtdXJuOnV1aWQ6M2ExYzU3NjEtMzgyMi00M2YyLThjODktNjBkZGRlMzYyOTYyMAkGA1UdEwQCMAAwYQYDVR0fBFowWDBWoFSgUoZQaHR0cDovL29uc2l0ZWNybC52ZXJpc2lnbi5jb20vVVNEZXBhcnRtZW50b2ZUcmFuc3BvcnRhdGlvbkZBQVBJVkc0L0xhdGVzdENSTC5jcmwwDgYDVR0PAQH/BAQDAgeAMB0GA1UdDgQWBBRM6e4/Us4piHyZQ8spElcpD979UzAfBgNVHSMEGDAWgBRnww++PpoXLlosifBqH9Y+G8sOVTAlBgNVHSUEHjAcBgorBgEEAYI3FAICBggrBgEFBQcDAgYEVR0lADAQBglghkgBZQMGCQEEAwEBADAXBgNVHSAEEDAOMAwGCmCGSAFlAwIBAw0wdQYIKwYBBQUHAQEEaTBnMCcGCCsGAQUFBzABhhtodHRwOi8vc3NwLW9jc3Auc3ltYXV0aC5jb20wPAYIKwYBBQUHMAKGMGh0dHA6Ly9zc3AtYWlhLnN5bWF1dGguY29tL1NTUC9Eb1RfQWdlbmN5X0c0LnA3YzANBgkqhkiG9w0BAQsFAAOCAQEAmQ2tmJBlVL+sE/iHQBhLCdfuZfUxolPb9L21NIzpACi14eJ2PqJsXbehXd+YURYVojzPu7vbu6cAXPkz0g/YE4113+cuqXjaNLQO3FwvTlfrGz4/rtTrGOrZsEWCOoZ0aFCLkL07rdBnEkO9+6yAM628qV+KekdWW4BDsKm4BZEiCkH+vM7RZ5ilkcmIVVmHZpr4bBFy6yktPyQ8fn73GcvhGzlGQy/3nEEJNgNwlM3NbCVYMbsny8uydz+kVB9Rue+NpHvLpd/Rq9QhDXmVoswUsFr/NUIvFTWT6w1Wg5pKsQLFj9/OiC9/W/Sec439uTcmvNyhC0sEvfQaia/boQ==</X509Certificate>
+    </X509Data>
+  </KeyInfo>
+  <Object Id="idPackageObject">
+    <Manifest>
+      <Reference URI="/_rels/.rels?ContentType=application/vnd.openxmlformats-package.relationships+xml">
+        <Transforms>
+          <Transform Algorithm="http://schemas.openxmlformats.org/package/2006/RelationshipTransform">
+            <mdssi:RelationshipReference xmlns:mdssi="http://schemas.openxmlformats.org/package/2006/digital-signature" SourceId="rId1"/>
+          </Transform>
+          <Transform Algorithm="http://www.w3.org/TR/2001/REC-xml-c14n-20010315"/>
+        </Transforms>
+        <DigestMethod Algorithm="http://www.w3.org/2001/04/xmlenc#sha256"/>
+        <DigestValue>ZA0yc/xO3JTsFCHnkGRYT0tE9b7806O9EDnxF1WjyYo=</DigestValue>
+      </Reference>
+      <Reference URI="/ppt/_rels/presentation.xml.rels?ContentType=application/vnd.openxmlformats-package.relationships+xml">
+        <Transforms>
+          <Transform Algorithm="http://schemas.openxmlformats.org/package/2006/RelationshipTransform">
+            <mdssi:RelationshipReference xmlns:mdssi="http://schemas.openxmlformats.org/package/2006/digital-signature" SourceId="rId6"/>
+            <mdssi:RelationshipReference xmlns:mdssi="http://schemas.openxmlformats.org/package/2006/digital-signature" SourceId="rId11"/>
+            <mdssi:RelationshipReference xmlns:mdssi="http://schemas.openxmlformats.org/package/2006/digital-signature" SourceId="rId5"/>
+            <mdssi:RelationshipReference xmlns:mdssi="http://schemas.openxmlformats.org/package/2006/digital-signature" SourceId="rId10"/>
+            <mdssi:RelationshipReference xmlns:mdssi="http://schemas.openxmlformats.org/package/2006/digital-signature" SourceId="rId4"/>
+            <mdssi:RelationshipReference xmlns:mdssi="http://schemas.openxmlformats.org/package/2006/digital-signature" SourceId="rId9"/>
+            <mdssi:RelationshipReference xmlns:mdssi="http://schemas.openxmlformats.org/package/2006/digital-signature" SourceId="rId8"/>
+            <mdssi:RelationshipReference xmlns:mdssi="http://schemas.openxmlformats.org/package/2006/digital-signature" SourceId="rId3"/>
+            <mdssi:RelationshipReference xmlns:mdssi="http://schemas.openxmlformats.org/package/2006/digital-signature" SourceId="rId7"/>
+            <mdssi:RelationshipReference xmlns:mdssi="http://schemas.openxmlformats.org/package/2006/digital-signature" SourceId="rId12"/>
+            <mdssi:RelationshipReference xmlns:mdssi="http://schemas.openxmlformats.org/package/2006/digital-signature" SourceId="rId2"/>
+            <mdssi:RelationshipReference xmlns:mdssi="http://schemas.openxmlformats.org/package/2006/digital-signature" SourceId="rId1"/>
+          </Transform>
+          <Transform Algorithm="http://www.w3.org/TR/2001/REC-xml-c14n-20010315"/>
+        </Transforms>
+        <DigestMethod Algorithm="http://www.w3.org/2001/04/xmlenc#sha256"/>
+        <DigestValue>cSnEJ1qcNT0uZmoy6uPsODaAu6rXiGyMH+rZb0dm6/A=</DigestValue>
+      </Reference>
+      <Reference URI="/ppt/diagrams/colors1.xml?ContentType=application/vnd.openxmlformats-officedocument.drawingml.diagramColors+xml">
+        <DigestMethod Algorithm="http://www.w3.org/2001/04/xmlenc#sha256"/>
+        <DigestValue>TuebD6Y3SHyKtnHf4lCKS3A+PtOKfXfPUDRuW0NOd5o=</DigestValue>
+      </Reference>
+      <Reference URI="/ppt/diagrams/colors2.xml?ContentType=application/vnd.openxmlformats-officedocument.drawingml.diagramColors+xml">
+        <DigestMethod Algorithm="http://www.w3.org/2001/04/xmlenc#sha256"/>
+        <DigestValue>+/5FPkwolh7tINFW/CLXuiYfGLAZGftl8qCB4OPbhLg=</DigestValue>
+      </Reference>
+      <Reference URI="/ppt/diagrams/data1.xml?ContentType=application/vnd.openxmlformats-officedocument.drawingml.diagramData+xml">
+        <DigestMethod Algorithm="http://www.w3.org/2001/04/xmlenc#sha256"/>
+        <DigestValue>NwS4HDD5XJWQvVlkBD6BTX5eH8o5oSzn5azrEbi2nbE=</DigestValue>
+      </Reference>
+      <Reference URI="/ppt/diagrams/data2.xml?ContentType=application/vnd.openxmlformats-officedocument.drawingml.diagramData+xml">
+        <DigestMethod Algorithm="http://www.w3.org/2001/04/xmlenc#sha256"/>
+        <DigestValue>rO9b+ZtLLiHW9liuhZIhrsaaWpK7vTXgWIjiIwhMNgI=</DigestValue>
+      </Reference>
+      <Reference URI="/ppt/diagrams/drawing1.xml?ContentType=application/vnd.ms-office.drawingml.diagramDrawing+xml">
+        <DigestMethod Algorithm="http://www.w3.org/2001/04/xmlenc#sha256"/>
+        <DigestValue>JbJXoB/ZZM9ho3lDBFmPoXo3i5nga9aRRi9tzPkehdM=</DigestValue>
+      </Reference>
+      <Reference URI="/ppt/diagrams/drawing2.xml?ContentType=application/vnd.ms-office.drawingml.diagramDrawing+xml">
+        <DigestMethod Algorithm="http://www.w3.org/2001/04/xmlenc#sha256"/>
+        <DigestValue>wecLXkgmvxn3bp/rpbaynLGu2EJxVn9MEOOTPMnOWd4=</DigestValue>
+      </Reference>
+      <Reference URI="/ppt/diagrams/layout1.xml?ContentType=application/vnd.openxmlformats-officedocument.drawingml.diagramLayout+xml">
+        <DigestMethod Algorithm="http://www.w3.org/2001/04/xmlenc#sha256"/>
+        <DigestValue>pmtY2qGzlHNPytOLeKjxvMI2vA9vpth3KK1KqvJIuCo=</DigestValue>
+      </Reference>
+      <Reference URI="/ppt/diagrams/layout2.xml?ContentType=application/vnd.openxmlformats-officedocument.drawingml.diagramLayout+xml">
+        <DigestMethod Algorithm="http://www.w3.org/2001/04/xmlenc#sha256"/>
+        <DigestValue>tblawbRd+inZJfIev2mGh8m0CaFNEJLaeYB242MdVgY=</DigestValue>
+      </Reference>
+      <Reference URI="/ppt/diagrams/quickStyle1.xml?ContentType=application/vnd.openxmlformats-officedocument.drawingml.diagramStyle+xml">
+        <DigestMethod Algorithm="http://www.w3.org/2001/04/xmlenc#sha256"/>
+        <DigestValue>VeZGaBkDvDY9PUX4tO10OMi8pT0YWISSgyqEGCtsUuE=</DigestValue>
+      </Reference>
+      <Reference URI="/ppt/diagrams/quickStyle2.xml?ContentType=application/vnd.openxmlformats-officedocument.drawingml.diagramStyle+xml">
+        <DigestMethod Algorithm="http://www.w3.org/2001/04/xmlenc#sha256"/>
+        <DigestValue>Kg5t1nzztUCzIFSk1aBsHYSfkjteBB0XA8PYlUL6PGQ=</DigestValue>
+      </Reference>
+      <Reference URI="/ppt/media/hdphoto1.wdp?ContentType=image/vnd.ms-photo">
+        <DigestMethod Algorithm="http://www.w3.org/2001/04/xmlenc#sha256"/>
+        <DigestValue>6/iqCPYxpzLgnDacoovj6/GK2hEW+q01J97AA5IPvto=</DigestValue>
+      </Reference>
+      <Reference URI="/ppt/media/image1.png?ContentType=image/png">
+        <DigestMethod Algorithm="http://www.w3.org/2001/04/xmlenc#sha256"/>
+        <DigestValue>dy5xTHm4fftNh6HmXWGXN4t8dVP2MLfZ0W16MKCCTjU=</DigestValue>
+      </Reference>
+      <Reference URI="/ppt/media/image2.png?ContentType=image/png">
+        <DigestMethod Algorithm="http://www.w3.org/2001/04/xmlenc#sha256"/>
+        <DigestValue>priHJ1a6gBRXVIDF/AN3tDMXk6DDXaF+jY+vblccKcU=</DigestValue>
+      </Reference>
+      <Reference URI="/ppt/media/image3.png?ContentType=image/png">
+        <DigestMethod Algorithm="http://www.w3.org/2001/04/xmlenc#sha256"/>
+        <DigestValue>BKu4x2MY3C7Qau05nuz6Lhhdvk1DlsHGkocbvk+tXTA=</DigestValue>
+      </Reference>
+      <Reference URI="/ppt/presentation.xml?ContentType=application/vnd.openxmlformats-officedocument.presentationml.presentation.main+xml">
+        <DigestMethod Algorithm="http://www.w3.org/2001/04/xmlenc#sha256"/>
+        <DigestValue>+vqYD9ggx6bAClOhLor40sMZ1Gkaf1VykYPrmGLqSM4=</DigestValue>
+      </Reference>
+      <Reference URI="/ppt/presProps.xml?ContentType=application/vnd.openxmlformats-officedocument.presentationml.presProps+xml">
+        <DigestMethod Algorithm="http://www.w3.org/2001/04/xmlenc#sha256"/>
+        <DigestValue>NYRlaRI4/nlNtmtcJCWt4w4JuwbSAMqmhmBxWNqFXC4=</DigestValue>
+      </Reference>
+      <Reference URI="/ppt/slideLayouts/_rels/slideLayout1.xml.rels?ContentType=application/vnd.openxmlformats-package.relationships+xml">
+        <Transforms>
+          <Transform Algorithm="http://schemas.openxmlformats.org/package/2006/RelationshipTransform">
+            <mdssi:RelationshipReference xmlns:mdssi="http://schemas.openxmlformats.org/package/2006/digital-signature" SourceId="rId1"/>
+          </Transform>
+          <Transform Algorithm="http://www.w3.org/TR/2001/REC-xml-c14n-20010315"/>
+        </Transforms>
+        <DigestMethod Algorithm="http://www.w3.org/2001/04/xmlenc#sha256"/>
+        <DigestValue>FfOTYs5qPsP9kqr29v088r9Qteu7RHAHwl1tK5oOaCM=</DigestValue>
+      </Reference>
+      <Reference URI="/ppt/slideLayouts/_rels/slideLayout10.xml.rels?ContentType=application/vnd.openxmlformats-package.relationships+xml">
+        <Transforms>
+          <Transform Algorithm="http://schemas.openxmlformats.org/package/2006/RelationshipTransform">
+            <mdssi:RelationshipReference xmlns:mdssi="http://schemas.openxmlformats.org/package/2006/digital-signature" SourceId="rId1"/>
+          </Transform>
+          <Transform Algorithm="http://www.w3.org/TR/2001/REC-xml-c14n-20010315"/>
+        </Transforms>
+        <DigestMethod Algorithm="http://www.w3.org/2001/04/xmlenc#sha256"/>
+        <DigestValue>FfOTYs5qPsP9kqr29v088r9Qteu7RHAHwl1tK5oOaCM=</DigestValue>
+      </Reference>
+      <Reference URI="/ppt/slideLayouts/_rels/slideLayout11.xml.rels?ContentType=application/vnd.openxmlformats-package.relationships+xml">
+        <Transforms>
+          <Transform Algorithm="http://schemas.openxmlformats.org/package/2006/RelationshipTransform">
+            <mdssi:RelationshipReference xmlns:mdssi="http://schemas.openxmlformats.org/package/2006/digital-signature" SourceId="rId1"/>
+          </Transform>
+          <Transform Algorithm="http://www.w3.org/TR/2001/REC-xml-c14n-20010315"/>
+        </Transforms>
+        <DigestMethod Algorithm="http://www.w3.org/2001/04/xmlenc#sha256"/>
+        <DigestValue>FfOTYs5qPsP9kqr29v088r9Qteu7RHAHwl1tK5oOaCM=</DigestValue>
+      </Reference>
+      <Reference URI="/ppt/slideLayouts/_rels/slideLayout12.xml.rels?ContentType=application/vnd.openxmlformats-package.relationships+xml">
+        <Transforms>
+          <Transform Algorithm="http://schemas.openxmlformats.org/package/2006/RelationshipTransform">
+            <mdssi:RelationshipReference xmlns:mdssi="http://schemas.openxmlformats.org/package/2006/digital-signature" SourceId="rId1"/>
+          </Transform>
+          <Transform Algorithm="http://www.w3.org/TR/2001/REC-xml-c14n-20010315"/>
+        </Transforms>
+        <DigestMethod Algorithm="http://www.w3.org/2001/04/xmlenc#sha256"/>
+        <DigestValue>FfOTYs5qPsP9kqr29v088r9Qteu7RHAHwl1tK5oOaCM=</DigestValue>
+      </Reference>
+      <Reference URI="/ppt/slideLayouts/_rels/slideLayout13.xml.rels?ContentType=application/vnd.openxmlformats-package.relationships+xml">
+        <Transforms>
+          <Transform Algorithm="http://schemas.openxmlformats.org/package/2006/RelationshipTransform">
+            <mdssi:RelationshipReference xmlns:mdssi="http://schemas.openxmlformats.org/package/2006/digital-signature" SourceId="rId1"/>
+          </Transform>
+          <Transform Algorithm="http://www.w3.org/TR/2001/REC-xml-c14n-20010315"/>
+        </Transforms>
+        <DigestMethod Algorithm="http://www.w3.org/2001/04/xmlenc#sha256"/>
+        <DigestValue>FfOTYs5qPsP9kqr29v088r9Qteu7RHAHwl1tK5oOaCM=</DigestValue>
+      </Reference>
+      <Reference URI="/ppt/slideLayouts/_rels/slideLayout14.xml.rels?ContentType=application/vnd.openxmlformats-package.relationships+xml">
+        <Transforms>
+          <Transform Algorithm="http://schemas.openxmlformats.org/package/2006/RelationshipTransform">
+            <mdssi:RelationshipReference xmlns:mdssi="http://schemas.openxmlformats.org/package/2006/digital-signature" SourceId="rId1"/>
+          </Transform>
+          <Transform Algorithm="http://www.w3.org/TR/2001/REC-xml-c14n-20010315"/>
+        </Transforms>
+        <DigestMethod Algorithm="http://www.w3.org/2001/04/xmlenc#sha256"/>
+        <DigestValue>FfOTYs5qPsP9kqr29v088r9Qteu7RHAHwl1tK5oOaCM=</DigestValue>
+      </Reference>
+      <Reference URI="/ppt/slideLayouts/_rels/slideLayout15.xml.rels?ContentType=application/vnd.openxmlformats-package.relationships+xml">
+        <Transforms>
+          <Transform Algorithm="http://schemas.openxmlformats.org/package/2006/RelationshipTransform">
+            <mdssi:RelationshipReference xmlns:mdssi="http://schemas.openxmlformats.org/package/2006/digital-signature" SourceId="rId1"/>
+          </Transform>
+          <Transform Algorithm="http://www.w3.org/TR/2001/REC-xml-c14n-20010315"/>
+        </Transforms>
+        <DigestMethod Algorithm="http://www.w3.org/2001/04/xmlenc#sha256"/>
+        <DigestValue>FfOTYs5qPsP9kqr29v088r9Qteu7RHAHwl1tK5oOaCM=</DigestValue>
+      </Reference>
+      <Reference URI="/ppt/slideLayouts/_rels/slideLayout16.xml.rels?ContentType=application/vnd.openxmlformats-package.relationships+xml">
+        <Transforms>
+          <Transform Algorithm="http://schemas.openxmlformats.org/package/2006/RelationshipTransform">
+            <mdssi:RelationshipReference xmlns:mdssi="http://schemas.openxmlformats.org/package/2006/digital-signature" SourceId="rId1"/>
+          </Transform>
+          <Transform Algorithm="http://www.w3.org/TR/2001/REC-xml-c14n-20010315"/>
+        </Transforms>
+        <DigestMethod Algorithm="http://www.w3.org/2001/04/xmlenc#sha256"/>
+        <DigestValue>FfOTYs5qPsP9kqr29v088r9Qteu7RHAHwl1tK5oOaCM=</DigestValue>
+      </Reference>
+      <Reference URI="/ppt/slideLayouts/_rels/slideLayout17.xml.rels?ContentType=application/vnd.openxmlformats-package.relationships+xml">
+        <Transforms>
+          <Transform Algorithm="http://schemas.openxmlformats.org/package/2006/RelationshipTransform">
+            <mdssi:RelationshipReference xmlns:mdssi="http://schemas.openxmlformats.org/package/2006/digital-signature" SourceId="rId1"/>
+          </Transform>
+          <Transform Algorithm="http://www.w3.org/TR/2001/REC-xml-c14n-20010315"/>
+        </Transforms>
+        <DigestMethod Algorithm="http://www.w3.org/2001/04/xmlenc#sha256"/>
+        <DigestValue>FfOTYs5qPsP9kqr29v088r9Qteu7RHAHwl1tK5oOaCM=</DigestValue>
+      </Reference>
+      <Reference URI="/ppt/slideLayouts/_rels/slideLayout2.xml.rels?ContentType=application/vnd.openxmlformats-package.relationships+xml">
+        <Transforms>
+          <Transform Algorithm="http://schemas.openxmlformats.org/package/2006/RelationshipTransform">
+            <mdssi:RelationshipReference xmlns:mdssi="http://schemas.openxmlformats.org/package/2006/digital-signature" SourceId="rId1"/>
+          </Transform>
+          <Transform Algorithm="http://www.w3.org/TR/2001/REC-xml-c14n-20010315"/>
+        </Transforms>
+        <DigestMethod Algorithm="http://www.w3.org/2001/04/xmlenc#sha256"/>
+        <DigestValue>FfOTYs5qPsP9kqr29v088r9Qteu7RHAHwl1tK5oOaCM=</DigestValue>
+      </Reference>
+      <Reference URI="/ppt/slideLayouts/_rels/slideLayout3.xml.rels?ContentType=application/vnd.openxmlformats-package.relationships+xml">
+        <Transforms>
+          <Transform Algorithm="http://schemas.openxmlformats.org/package/2006/RelationshipTransform">
+            <mdssi:RelationshipReference xmlns:mdssi="http://schemas.openxmlformats.org/package/2006/digital-signature" SourceId="rId1"/>
+          </Transform>
+          <Transform Algorithm="http://www.w3.org/TR/2001/REC-xml-c14n-20010315"/>
+        </Transforms>
+        <DigestMethod Algorithm="http://www.w3.org/2001/04/xmlenc#sha256"/>
+        <DigestValue>FfOTYs5qPsP9kqr29v088r9Qteu7RHAHwl1tK5oOaCM=</DigestValue>
+      </Reference>
+      <Reference URI="/ppt/slideLayouts/_rels/slideLayout4.xml.rels?ContentType=application/vnd.openxmlformats-package.relationships+xml">
+        <Transforms>
+          <Transform Algorithm="http://schemas.openxmlformats.org/package/2006/RelationshipTransform">
+            <mdssi:RelationshipReference xmlns:mdssi="http://schemas.openxmlformats.org/package/2006/digital-signature" SourceId="rId1"/>
+          </Transform>
+          <Transform Algorithm="http://www.w3.org/TR/2001/REC-xml-c14n-20010315"/>
+        </Transforms>
+        <DigestMethod Algorithm="http://www.w3.org/2001/04/xmlenc#sha256"/>
+        <DigestValue>FfOTYs5qPsP9kqr29v088r9Qteu7RHAHwl1tK5oOaCM=</DigestValue>
+      </Reference>
+      <Reference URI="/ppt/slideLayouts/_rels/slideLayout5.xml.rels?ContentType=application/vnd.openxmlformats-package.relationships+xml">
+        <Transforms>
+          <Transform Algorithm="http://schemas.openxmlformats.org/package/2006/RelationshipTransform">
+            <mdssi:RelationshipReference xmlns:mdssi="http://schemas.openxmlformats.org/package/2006/digital-signature" SourceId="rId1"/>
+          </Transform>
+          <Transform Algorithm="http://www.w3.org/TR/2001/REC-xml-c14n-20010315"/>
+        </Transforms>
+        <DigestMethod Algorithm="http://www.w3.org/2001/04/xmlenc#sha256"/>
+        <DigestValue>FfOTYs5qPsP9kqr29v088r9Qteu7RHAHwl1tK5oOaCM=</DigestValue>
+      </Reference>
+      <Reference URI="/ppt/slideLayouts/_rels/slideLayout6.xml.rels?ContentType=application/vnd.openxmlformats-package.relationships+xml">
+        <Transforms>
+          <Transform Algorithm="http://schemas.openxmlformats.org/package/2006/RelationshipTransform">
+            <mdssi:RelationshipReference xmlns:mdssi="http://schemas.openxmlformats.org/package/2006/digital-signature" SourceId="rId1"/>
+          </Transform>
+          <Transform Algorithm="http://www.w3.org/TR/2001/REC-xml-c14n-20010315"/>
+        </Transforms>
+        <DigestMethod Algorithm="http://www.w3.org/2001/04/xmlenc#sha256"/>
+        <DigestValue>FfOTYs5qPsP9kqr29v088r9Qteu7RHAHwl1tK5oOaCM=</DigestValue>
+      </Reference>
+      <Reference URI="/ppt/slideLayouts/_rels/slideLayout7.xml.rels?ContentType=application/vnd.openxmlformats-package.relationships+xml">
+        <Transforms>
+          <Transform Algorithm="http://schemas.openxmlformats.org/package/2006/RelationshipTransform">
+            <mdssi:RelationshipReference xmlns:mdssi="http://schemas.openxmlformats.org/package/2006/digital-signature" SourceId="rId1"/>
+          </Transform>
+          <Transform Algorithm="http://www.w3.org/TR/2001/REC-xml-c14n-20010315"/>
+        </Transforms>
+        <DigestMethod Algorithm="http://www.w3.org/2001/04/xmlenc#sha256"/>
+        <DigestValue>FfOTYs5qPsP9kqr29v088r9Qteu7RHAHwl1tK5oOaCM=</DigestValue>
+      </Reference>
+      <Reference URI="/ppt/slideLayouts/_rels/slideLayout8.xml.rels?ContentType=application/vnd.openxmlformats-package.relationships+xml">
+        <Transforms>
+          <Transform Algorithm="http://schemas.openxmlformats.org/package/2006/RelationshipTransform">
+            <mdssi:RelationshipReference xmlns:mdssi="http://schemas.openxmlformats.org/package/2006/digital-signature" SourceId="rId1"/>
+          </Transform>
+          <Transform Algorithm="http://www.w3.org/TR/2001/REC-xml-c14n-20010315"/>
+        </Transforms>
+        <DigestMethod Algorithm="http://www.w3.org/2001/04/xmlenc#sha256"/>
+        <DigestValue>FfOTYs5qPsP9kqr29v088r9Qteu7RHAHwl1tK5oOaCM=</DigestValue>
+      </Reference>
+      <Reference URI="/ppt/slideLayouts/_rels/slideLayout9.xml.rels?ContentType=application/vnd.openxmlformats-package.relationships+xml">
+        <Transforms>
+          <Transform Algorithm="http://schemas.openxmlformats.org/package/2006/RelationshipTransform">
+            <mdssi:RelationshipReference xmlns:mdssi="http://schemas.openxmlformats.org/package/2006/digital-signature" SourceId="rId1"/>
+          </Transform>
+          <Transform Algorithm="http://www.w3.org/TR/2001/REC-xml-c14n-20010315"/>
+        </Transforms>
+        <DigestMethod Algorithm="http://www.w3.org/2001/04/xmlenc#sha256"/>
+        <DigestValue>FfOTYs5qPsP9kqr29v088r9Qteu7RHAHwl1tK5oOaCM=</DigestValue>
+      </Reference>
+      <Reference URI="/ppt/slideLayouts/slideLayout1.xml?ContentType=application/vnd.openxmlformats-officedocument.presentationml.slideLayout+xml">
+        <DigestMethod Algorithm="http://www.w3.org/2001/04/xmlenc#sha256"/>
+        <DigestValue>yZ2sPk7cpbF1ZcWZdiTKp6na6NldqkegOw0V+UB11DI=</DigestValue>
+      </Reference>
+      <Reference URI="/ppt/slideLayouts/slideLayout10.xml?ContentType=application/vnd.openxmlformats-officedocument.presentationml.slideLayout+xml">
+        <DigestMethod Algorithm="http://www.w3.org/2001/04/xmlenc#sha256"/>
+        <DigestValue>FOdoD65qpZgglltpc4ut59o8NQew/FpttEYrwkReK9E=</DigestValue>
+      </Reference>
+      <Reference URI="/ppt/slideLayouts/slideLayout11.xml?ContentType=application/vnd.openxmlformats-officedocument.presentationml.slideLayout+xml">
+        <DigestMethod Algorithm="http://www.w3.org/2001/04/xmlenc#sha256"/>
+        <DigestValue>6gdDsNUO1oyVdZS/mE7bjo+cAVwjRBU7pVLN0eaN5pw=</DigestValue>
+      </Reference>
+      <Reference URI="/ppt/slideLayouts/slideLayout12.xml?ContentType=application/vnd.openxmlformats-officedocument.presentationml.slideLayout+xml">
+        <DigestMethod Algorithm="http://www.w3.org/2001/04/xmlenc#sha256"/>
+        <DigestValue>KTNI5DR6/d2nLwkev7w8jqYucy58AfA953KfELuW5X8=</DigestValue>
+      </Reference>
+      <Reference URI="/ppt/slideLayouts/slideLayout13.xml?ContentType=application/vnd.openxmlformats-officedocument.presentationml.slideLayout+xml">
+        <DigestMethod Algorithm="http://www.w3.org/2001/04/xmlenc#sha256"/>
+        <DigestValue>6mXszHtHEnZmpGbBCV+WBhBsau3ww8rr6WM2nOQbr+k=</DigestValue>
+      </Reference>
+      <Reference URI="/ppt/slideLayouts/slideLayout14.xml?ContentType=application/vnd.openxmlformats-officedocument.presentationml.slideLayout+xml">
+        <DigestMethod Algorithm="http://www.w3.org/2001/04/xmlenc#sha256"/>
+        <DigestValue>3EfLLkQl0brvShqH2UUiDClQSLZ+m1GqtvNKmIC1OY0=</DigestValue>
+      </Reference>
+      <Reference URI="/ppt/slideLayouts/slideLayout15.xml?ContentType=application/vnd.openxmlformats-officedocument.presentationml.slideLayout+xml">
+        <DigestMethod Algorithm="http://www.w3.org/2001/04/xmlenc#sha256"/>
+        <DigestValue>v1o8/uC87b69tKoDA0Xc7lwoh9oKFW3DhY/XG7aW+Vg=</DigestValue>
+      </Reference>
+      <Reference URI="/ppt/slideLayouts/slideLayout16.xml?ContentType=application/vnd.openxmlformats-officedocument.presentationml.slideLayout+xml">
+        <DigestMethod Algorithm="http://www.w3.org/2001/04/xmlenc#sha256"/>
+        <DigestValue>LLvZbTDQSd7SJ0hu+zG1szFNm2WUvnvw/iNCbqHfvr4=</DigestValue>
+      </Reference>
+      <Reference URI="/ppt/slideLayouts/slideLayout17.xml?ContentType=application/vnd.openxmlformats-officedocument.presentationml.slideLayout+xml">
+        <DigestMethod Algorithm="http://www.w3.org/2001/04/xmlenc#sha256"/>
+        <DigestValue>2Puaazz0RZ5WRYBzpL6ORZJwXvg5yVU+7hW+AgGiouM=</DigestValue>
+      </Reference>
+      <Reference URI="/ppt/slideLayouts/slideLayout2.xml?ContentType=application/vnd.openxmlformats-officedocument.presentationml.slideLayout+xml">
+        <DigestMethod Algorithm="http://www.w3.org/2001/04/xmlenc#sha256"/>
+        <DigestValue>L/SNnheJfEOfkBbTaMEOmGSMaEw8ciA1m5TIJusXN78=</DigestValue>
+      </Reference>
+      <Reference URI="/ppt/slideLayouts/slideLayout3.xml?ContentType=application/vnd.openxmlformats-officedocument.presentationml.slideLayout+xml">
+        <DigestMethod Algorithm="http://www.w3.org/2001/04/xmlenc#sha256"/>
+        <DigestValue>GBsJR9FPdvyWo/zOig+Qp39R4EoDXv13mNBIFqCMqHY=</DigestValue>
+      </Reference>
+      <Reference URI="/ppt/slideLayouts/slideLayout4.xml?ContentType=application/vnd.openxmlformats-officedocument.presentationml.slideLayout+xml">
+        <DigestMethod Algorithm="http://www.w3.org/2001/04/xmlenc#sha256"/>
+        <DigestValue>pOwvjnH7IUhjKA417Vh5MeIds6GWllRJ5EcJdTSdYAM=</DigestValue>
+      </Reference>
+      <Reference URI="/ppt/slideLayouts/slideLayout5.xml?ContentType=application/vnd.openxmlformats-officedocument.presentationml.slideLayout+xml">
+        <DigestMethod Algorithm="http://www.w3.org/2001/04/xmlenc#sha256"/>
+        <DigestValue>oZPQp5+D0AeaE3M5XpIyCFV3nGvvUexuDsgvnRLd7L4=</DigestValue>
+      </Reference>
+      <Reference URI="/ppt/slideLayouts/slideLayout6.xml?ContentType=application/vnd.openxmlformats-officedocument.presentationml.slideLayout+xml">
+        <DigestMethod Algorithm="http://www.w3.org/2001/04/xmlenc#sha256"/>
+        <DigestValue>SHIrQxsr/jB6faMHI3elHn0kwwGGSr4MxEbOMw7NlXU=</DigestValue>
+      </Reference>
+      <Reference URI="/ppt/slideLayouts/slideLayout7.xml?ContentType=application/vnd.openxmlformats-officedocument.presentationml.slideLayout+xml">
+        <DigestMethod Algorithm="http://www.w3.org/2001/04/xmlenc#sha256"/>
+        <DigestValue>0YdvlX1AtuE2BzcuhJZpg7jPrymZIH5GGrF5XC3g5RM=</DigestValue>
+      </Reference>
+      <Reference URI="/ppt/slideLayouts/slideLayout8.xml?ContentType=application/vnd.openxmlformats-officedocument.presentationml.slideLayout+xml">
+        <DigestMethod Algorithm="http://www.w3.org/2001/04/xmlenc#sha256"/>
+        <DigestValue>1mqn08RclVlSxX63/jP8fCFvKfKbeSmbMWfiVnUVXXk=</DigestValue>
+      </Reference>
+      <Reference URI="/ppt/slideLayouts/slideLayout9.xml?ContentType=application/vnd.openxmlformats-officedocument.presentationml.slideLayout+xml">
+        <DigestMethod Algorithm="http://www.w3.org/2001/04/xmlenc#sha256"/>
+        <DigestValue>OccC+9dTVrhRzw/r7zHqqh1kBMcu9B8/fTRdr6GS8uw=</DigestValue>
+      </Reference>
+      <Reference URI="/ppt/slideMasters/_rels/slideMaster1.xml.rels?ContentType=application/vnd.openxmlformats-package.relationships+xml">
+        <Transforms>
+          <Transform Algorithm="http://schemas.openxmlformats.org/package/2006/RelationshipTransform">
+            <mdssi:RelationshipReference xmlns:mdssi="http://schemas.openxmlformats.org/package/2006/digital-signature" SourceId="rId11"/>
+            <mdssi:RelationshipReference xmlns:mdssi="http://schemas.openxmlformats.org/package/2006/digital-signature" SourceId="rId5"/>
+            <mdssi:RelationshipReference xmlns:mdssi="http://schemas.openxmlformats.org/package/2006/digital-signature" SourceId="rId15"/>
+            <mdssi:RelationshipReference xmlns:mdssi="http://schemas.openxmlformats.org/package/2006/digital-signature" SourceId="rId10"/>
+            <mdssi:RelationshipReference xmlns:mdssi="http://schemas.openxmlformats.org/package/2006/digital-signature" SourceId="rId19"/>
+            <mdssi:RelationshipReference xmlns:mdssi="http://schemas.openxmlformats.org/package/2006/digital-signature" SourceId="rId4"/>
+            <mdssi:RelationshipReference xmlns:mdssi="http://schemas.openxmlformats.org/package/2006/digital-signature" SourceId="rId9"/>
+            <mdssi:RelationshipReference xmlns:mdssi="http://schemas.openxmlformats.org/package/2006/digital-signature" SourceId="rId14"/>
+            <mdssi:RelationshipReference xmlns:mdssi="http://schemas.openxmlformats.org/package/2006/digital-signature" SourceId="rId8"/>
+            <mdssi:RelationshipReference xmlns:mdssi="http://schemas.openxmlformats.org/package/2006/digital-signature" SourceId="rId13"/>
+            <mdssi:RelationshipReference xmlns:mdssi="http://schemas.openxmlformats.org/package/2006/digital-signature" SourceId="rId18"/>
+            <mdssi:RelationshipReference xmlns:mdssi="http://schemas.openxmlformats.org/package/2006/digital-signature" SourceId="rId3"/>
+            <mdssi:RelationshipReference xmlns:mdssi="http://schemas.openxmlformats.org/package/2006/digital-signature" SourceId="rId7"/>
+            <mdssi:RelationshipReference xmlns:mdssi="http://schemas.openxmlformats.org/package/2006/digital-signature" SourceId="rId12"/>
+            <mdssi:RelationshipReference xmlns:mdssi="http://schemas.openxmlformats.org/package/2006/digital-signature" SourceId="rId17"/>
+            <mdssi:RelationshipReference xmlns:mdssi="http://schemas.openxmlformats.org/package/2006/digital-signature" SourceId="rId2"/>
+            <mdssi:RelationshipReference xmlns:mdssi="http://schemas.openxmlformats.org/package/2006/digital-signature" SourceId="rId16"/>
+            <mdssi:RelationshipReference xmlns:mdssi="http://schemas.openxmlformats.org/package/2006/digital-signature" SourceId="rId1"/>
+            <mdssi:RelationshipReference xmlns:mdssi="http://schemas.openxmlformats.org/package/2006/digital-signature" SourceId="rId6"/>
+          </Transform>
+          <Transform Algorithm="http://www.w3.org/TR/2001/REC-xml-c14n-20010315"/>
+        </Transforms>
+        <DigestMethod Algorithm="http://www.w3.org/2001/04/xmlenc#sha256"/>
+        <DigestValue>7P7wLjbk+c/aiFdboUfFdU82xMdLx774jmLDGKosVjU=</DigestValue>
+      </Reference>
+      <Reference URI="/ppt/slideMasters/slideMaster1.xml?ContentType=application/vnd.openxmlformats-officedocument.presentationml.slideMaster+xml">
+        <DigestMethod Algorithm="http://www.w3.org/2001/04/xmlenc#sha256"/>
+        <DigestValue>WbtwFvfD8Aa2xr0oW3DYnY0OFJCwDaeKuaU6/IQc1r8=</DigestValue>
+      </Reference>
+      <Reference URI="/ppt/slides/_rels/slide1.xml.rels?ContentType=application/vnd.openxmlformats-package.relationships+xml">
+        <Transforms>
+          <Transform Algorithm="http://schemas.openxmlformats.org/package/2006/RelationshipTransform">
+            <mdssi:RelationshipReference xmlns:mdssi="http://schemas.openxmlformats.org/package/2006/digital-signature" SourceId="rId2"/>
+            <mdssi:RelationshipReference xmlns:mdssi="http://schemas.openxmlformats.org/package/2006/digital-signature" SourceId="rId1"/>
+            <mdssi:RelationshipReference xmlns:mdssi="http://schemas.openxmlformats.org/package/2006/digital-signature" SourceId="rId3"/>
+          </Transform>
+          <Transform Algorithm="http://www.w3.org/TR/2001/REC-xml-c14n-20010315"/>
+        </Transforms>
+        <DigestMethod Algorithm="http://www.w3.org/2001/04/xmlenc#sha256"/>
+        <DigestValue>0AD4m9iCbq2jSZEGSzCqoDveEE1DzilMSBsdPHzl32A=</DigestValue>
+      </Reference>
+      <Reference URI="/ppt/slides/_rels/slide2.xml.rels?ContentType=application/vnd.openxmlformats-package.relationships+xml">
+        <Transforms>
+          <Transform Algorithm="http://schemas.openxmlformats.org/package/2006/RelationshipTransform">
+            <mdssi:RelationshipReference xmlns:mdssi="http://schemas.openxmlformats.org/package/2006/digital-signature" SourceId="rId1"/>
+            <mdssi:RelationshipReference xmlns:mdssi="http://schemas.openxmlformats.org/package/2006/digital-signature" SourceId="rId2"/>
+          </Transform>
+          <Transform Algorithm="http://www.w3.org/TR/2001/REC-xml-c14n-20010315"/>
+        </Transforms>
+        <DigestMethod Algorithm="http://www.w3.org/2001/04/xmlenc#sha256"/>
+        <DigestValue>eTBXKofdXrDBjcvPseVP2kiU2ZNPLF4C1vAMBKrflp0=</DigestValue>
+      </Reference>
+      <Reference URI="/ppt/slides/_rels/slide3.xml.rels?ContentType=application/vnd.openxmlformats-package.relationships+xml">
+        <Transforms>
+          <Transform Algorithm="http://schemas.openxmlformats.org/package/2006/RelationshipTransform">
+            <mdssi:RelationshipReference xmlns:mdssi="http://schemas.openxmlformats.org/package/2006/digital-signature" SourceId="rId2"/>
+            <mdssi:RelationshipReference xmlns:mdssi="http://schemas.openxmlformats.org/package/2006/digital-signature" SourceId="rId1"/>
+          </Transform>
+          <Transform Algorithm="http://www.w3.org/TR/2001/REC-xml-c14n-20010315"/>
+        </Transforms>
+        <DigestMethod Algorithm="http://www.w3.org/2001/04/xmlenc#sha256"/>
+        <DigestValue>eTBXKofdXrDBjcvPseVP2kiU2ZNPLF4C1vAMBKrflp0=</DigestValue>
+      </Reference>
+      <Reference URI="/ppt/slides/_rels/slide4.xml.rels?ContentType=application/vnd.openxmlformats-package.relationships+xml">
+        <Transforms>
+          <Transform Algorithm="http://schemas.openxmlformats.org/package/2006/RelationshipTransform">
+            <mdssi:RelationshipReference xmlns:mdssi="http://schemas.openxmlformats.org/package/2006/digital-signature" SourceId="rId2"/>
+            <mdssi:RelationshipReference xmlns:mdssi="http://schemas.openxmlformats.org/package/2006/digital-signature" SourceId="rId1"/>
+            <mdssi:RelationshipReference xmlns:mdssi="http://schemas.openxmlformats.org/package/2006/digital-signature" SourceId="rId6"/>
+            <mdssi:RelationshipReference xmlns:mdssi="http://schemas.openxmlformats.org/package/2006/digital-signature" SourceId="rId5"/>
+            <mdssi:RelationshipReference xmlns:mdssi="http://schemas.openxmlformats.org/package/2006/digital-signature" SourceId="rId4"/>
+            <mdssi:RelationshipReference xmlns:mdssi="http://schemas.openxmlformats.org/package/2006/digital-signature" SourceId="rId3"/>
+            <mdssi:RelationshipReference xmlns:mdssi="http://schemas.openxmlformats.org/package/2006/digital-signature" SourceId="rId7"/>
+          </Transform>
+          <Transform Algorithm="http://www.w3.org/TR/2001/REC-xml-c14n-20010315"/>
+        </Transforms>
+        <DigestMethod Algorithm="http://www.w3.org/2001/04/xmlenc#sha256"/>
+        <DigestValue>aIzbaDyZrf6qcQPWUzoBrDlHepiwRGQv+w2Y7Nxh9y0=</DigestValue>
+      </Reference>
+      <Reference URI="/ppt/slides/_rels/slide5.xml.rels?ContentType=application/vnd.openxmlformats-package.relationships+xml">
+        <Transforms>
+          <Transform Algorithm="http://schemas.openxmlformats.org/package/2006/RelationshipTransform">
+            <mdssi:RelationshipReference xmlns:mdssi="http://schemas.openxmlformats.org/package/2006/digital-signature" SourceId="rId2"/>
+            <mdssi:RelationshipReference xmlns:mdssi="http://schemas.openxmlformats.org/package/2006/digital-signature" SourceId="rId1"/>
+          </Transform>
+          <Transform Algorithm="http://www.w3.org/TR/2001/REC-xml-c14n-20010315"/>
+        </Transforms>
+        <DigestMethod Algorithm="http://www.w3.org/2001/04/xmlenc#sha256"/>
+        <DigestValue>eTBXKofdXrDBjcvPseVP2kiU2ZNPLF4C1vAMBKrflp0=</DigestValue>
+      </Reference>
+      <Reference URI="/ppt/slides/_rels/slide6.xml.rels?ContentType=application/vnd.openxmlformats-package.relationships+xml">
+        <Transforms>
+          <Transform Algorithm="http://schemas.openxmlformats.org/package/2006/RelationshipTransform">
+            <mdssi:RelationshipReference xmlns:mdssi="http://schemas.openxmlformats.org/package/2006/digital-signature" SourceId="rId1"/>
+            <mdssi:RelationshipReference xmlns:mdssi="http://schemas.openxmlformats.org/package/2006/digital-signature" SourceId="rId2"/>
+          </Transform>
+          <Transform Algorithm="http://www.w3.org/TR/2001/REC-xml-c14n-20010315"/>
+        </Transforms>
+        <DigestMethod Algorithm="http://www.w3.org/2001/04/xmlenc#sha256"/>
+        <DigestValue>eTBXKofdXrDBjcvPseVP2kiU2ZNPLF4C1vAMBKrflp0=</DigestValue>
+      </Reference>
+      <Reference URI="/ppt/slides/_rels/slide7.xml.rels?ContentType=application/vnd.openxmlformats-package.relationships+xml">
+        <Transforms>
+          <Transform Algorithm="http://schemas.openxmlformats.org/package/2006/RelationshipTransform">
+            <mdssi:RelationshipReference xmlns:mdssi="http://schemas.openxmlformats.org/package/2006/digital-signature" SourceId="rId5"/>
+            <mdssi:RelationshipReference xmlns:mdssi="http://schemas.openxmlformats.org/package/2006/digital-signature" SourceId="rId4"/>
+            <mdssi:RelationshipReference xmlns:mdssi="http://schemas.openxmlformats.org/package/2006/digital-signature" SourceId="rId3"/>
+            <mdssi:RelationshipReference xmlns:mdssi="http://schemas.openxmlformats.org/package/2006/digital-signature" SourceId="rId7"/>
+            <mdssi:RelationshipReference xmlns:mdssi="http://schemas.openxmlformats.org/package/2006/digital-signature" SourceId="rId2"/>
+            <mdssi:RelationshipReference xmlns:mdssi="http://schemas.openxmlformats.org/package/2006/digital-signature" SourceId="rId1"/>
+            <mdssi:RelationshipReference xmlns:mdssi="http://schemas.openxmlformats.org/package/2006/digital-signature" SourceId="rId6"/>
+          </Transform>
+          <Transform Algorithm="http://www.w3.org/TR/2001/REC-xml-c14n-20010315"/>
+        </Transforms>
+        <DigestMethod Algorithm="http://www.w3.org/2001/04/xmlenc#sha256"/>
+        <DigestValue>x3qOid7czhUPngUaC5GseMfxI99VVmRlCGr8594YaGk=</DigestValue>
+      </Reference>
+      <Reference URI="/ppt/slides/slide1.xml?ContentType=application/vnd.openxmlformats-officedocument.presentationml.slide+xml">
+        <DigestMethod Algorithm="http://www.w3.org/2001/04/xmlenc#sha256"/>
+        <DigestValue>pqW++pnMmXan3R9ZIJ62wZGFkDD6MSle1z2s7RX/BvU=</DigestValue>
+      </Reference>
+      <Reference URI="/ppt/slides/slide2.xml?ContentType=application/vnd.openxmlformats-officedocument.presentationml.slide+xml">
+        <DigestMethod Algorithm="http://www.w3.org/2001/04/xmlenc#sha256"/>
+        <DigestValue>jT7LuYUWKlX7KCAwvmYykGcJ87d+A1U1PMMZ2+d5264=</DigestValue>
+      </Reference>
+      <Reference URI="/ppt/slides/slide3.xml?ContentType=application/vnd.openxmlformats-officedocument.presentationml.slide+xml">
+        <DigestMethod Algorithm="http://www.w3.org/2001/04/xmlenc#sha256"/>
+        <DigestValue>Pr5g9ntL3jlWbnhE9zKzyPKxKsNOS7RDqLpvsGMVJ4I=</DigestValue>
+      </Reference>
+      <Reference URI="/ppt/slides/slide4.xml?ContentType=application/vnd.openxmlformats-officedocument.presentationml.slide+xml">
+        <DigestMethod Algorithm="http://www.w3.org/2001/04/xmlenc#sha256"/>
+        <DigestValue>M3MlvFiyJkfxZhFi2xH2+AL4gwFW9SXTj4ZimBeNzhw=</DigestValue>
+      </Reference>
+      <Reference URI="/ppt/slides/slide5.xml?ContentType=application/vnd.openxmlformats-officedocument.presentationml.slide+xml">
+        <DigestMethod Algorithm="http://www.w3.org/2001/04/xmlenc#sha256"/>
+        <DigestValue>yzD6eCfjr9RAk0Yj9/CDCbOaFPMeeWHcpCeiwzfGtMs=</DigestValue>
+      </Reference>
+      <Reference URI="/ppt/slides/slide6.xml?ContentType=application/vnd.openxmlformats-officedocument.presentationml.slide+xml">
+        <DigestMethod Algorithm="http://www.w3.org/2001/04/xmlenc#sha256"/>
+        <DigestValue>F2MB78sKO86beN6McFEM+vCCT9NyzBTJaoFWXwgM/P8=</DigestValue>
+      </Reference>
+      <Reference URI="/ppt/slides/slide7.xml?ContentType=application/vnd.openxmlformats-officedocument.presentationml.slide+xml">
+        <DigestMethod Algorithm="http://www.w3.org/2001/04/xmlenc#sha256"/>
+        <DigestValue>fiGLwhryRLOgynYYD2oP2h2jDTClW5FS39wyksFohNU=</DigestValue>
+      </Reference>
+      <Reference URI="/ppt/tableStyles.xml?ContentType=application/vnd.openxmlformats-officedocument.presentationml.tableStyles+xml">
+        <DigestMethod Algorithm="http://www.w3.org/2001/04/xmlenc#sha256"/>
+        <DigestValue>zUJmCulB8F3RMQLkKOEG3wHDYiBC80kdCXjqwfH8PzI=</DigestValue>
+      </Reference>
+      <Reference URI="/ppt/theme/theme1.xml?ContentType=application/vnd.openxmlformats-officedocument.theme+xml">
+        <DigestMethod Algorithm="http://www.w3.org/2001/04/xmlenc#sha256"/>
+        <DigestValue>6SH6W9MdMS50YrpRGu0QxaJrKDfXy8ERA+INEkwPgOg=</DigestValue>
+      </Reference>
+      <Reference URI="/ppt/viewProps.xml?ContentType=application/vnd.openxmlformats-officedocument.presentationml.viewProps+xml">
+        <DigestMethod Algorithm="http://www.w3.org/2001/04/xmlenc#sha256"/>
+        <DigestValue>80SpesWMsmegXdFmr26jxUleKe9v0hJFffcpuqBov2g=</DigestValue>
+      </Reference>
+    </Manifest>
+    <SignatureProperties>
+      <SignatureProperty Id="idSignatureTime" Target="#idPackageSignature">
+        <mdssi:SignatureTime xmlns:mdssi="http://schemas.openxmlformats.org/package/2006/digital-signature">
+          <mdssi:Format>YYYY-MM-DDThh:mm:ssTZD</mdssi:Format>
+          <mdssi:Value>2018-09-10T11:26:56Z</mdssi:Value>
+        </mdssi:SignatureTime>
+      </SignatureProperty>
+    </SignatureProperties>
+  </Object>
+  <Object Id="idOfficeObject">
+    <SignatureProperties>
+      <SignatureProperty Id="idOfficeV1Details" Target="#idPackageSignature">
+        <SignatureInfoV1 xmlns="http://schemas.microsoft.com/office/2006/digsig">
+          <SetupID/>
+          <SignatureText/>
+          <SignatureImage/>
+          <SignatureComments>Trust</SignatureComments>
+          <WindowsVersion>6.1</WindowsVersion>
+          <OfficeVersion>16.0</OfficeVersion>
+          <ApplicationVersion>16.0</ApplicationVersion>
+          <Monitors>1</Monitors>
+          <HorizontalResolution>1920</HorizontalResolution>
+          <VerticalResolution>1080</VerticalResolution>
+          <ColorDepth>32</ColorDepth>
+          <SignatureProviderId>{00000000-0000-0000-0000-000000000000}</SignatureProviderId>
+          <SignatureProviderUrl/>
+          <SignatureProviderDetails>9</SignatureProviderDetails>
+          <SignatureType>1</SignatureType>
+        </SignatureInfoV1>
+        <SignatureInfoV2 xmlns="http://schemas.microsoft.com/office/2006/digsig">
+          <Address1/>
+          <Address2/>
+        </SignatureInfoV2>
+      </SignatureProperty>
+    </SignatureProperties>
+  </Object>
+  <Object>
+    <xd:QualifyingProperties xmlns:xd="http://uri.etsi.org/01903/v1.3.2#" Target="#idPackageSignature">
+      <xd:SignedProperties Id="idSignedProperties">
+        <xd:SignedSignatureProperties>
+          <xd:SigningTime>2018-09-10T11:26:56Z</xd:SigningTime>
+          <xd:SigningCertificate>
+            <xd:Cert>
+              <xd:CertDigest>
+                <DigestMethod Algorithm="http://www.w3.org/2001/04/xmlenc#sha256"/>
+                <DigestValue>y8lb4B8qDOUjoioKk0smUH5N6QAPaVLxem+Y/JTsg2E=</DigestValue>
+              </xd:CertDigest>
+              <xd:IssuerSerial>
+                <X509IssuerName>CN=U.S. Department of Transportation Agency CA G4, OU=U.S. Department of Transportation, O=U.S. Government, C=US</X509IssuerName>
+                <X509SerialNumber>155073685166413632327049028763807311729</X509SerialNumber>
+              </xd:IssuerSerial>
+            </xd:Cert>
+          </xd:SigningCertificate>
+          <xd:SignaturePolicyIdentifier>
+            <xd:SignaturePolicyImplied/>
+          </xd:SignaturePolicyIdentifier>
+          <xd:SignatureProductionPlace>
+            <xd:City/>
+            <xd:StateOrProvince/>
+            <xd:PostalCode/>
+            <xd:CountryName/>
+          </xd:SignatureProductionPlace>
+          <xd:SignerRole>
+            <xd:ClaimedRoles>
+              <xd:ClaimedRole>Ansible Club</xd:ClaimedRole>
+            </xd:ClaimedRoles>
+          </xd:SignerRole>
+        </xd:SignedSignatureProperties>
+        <xd:SignedDataObjectProperties>
+          <xd:CommitmentTypeIndication>
+            <xd:CommitmentTypeId>
+              <xd:Identifier>http://uri.etsi.org/01903/v1.2.2#ProofOfCreation</xd:Identifier>
+              <xd:Description>Created this document</xd:Description>
+            </xd:CommitmentTypeId>
+            <xd:AllSignedDataObjects/>
+            <xd:CommitmentTypeQualifiers>
+              <xd:CommitmentTypeQualifier>Trust</xd:CommitmentTypeQualifier>
+            </xd:CommitmentTypeQualifiers>
+          </xd:CommitmentTypeIndication>
+        </xd:SignedDataObjectProperties>
+      </xd:SignedProperties>
+      <xd:UnsignedProperties>
+        <xd:UnsignedSignatureProperties>
+          <xd:CertificateValues>
+            <xd:EncapsulatedX509Certificate>MIIFEDCCA/igAwIBAgIQYakPPl/1Mvn+YgnZMSeagjANBgkqhkiG9w0BAQsFADBYMQswCQYDVQQGEwJVUzEdMBsGA1UEChMUU3ltYW50ZWMgQ29ycG9yYXRpb24xKjAoBgNVBAMTIVN5bWFudGVjIFNTUCBJbnRlcm1lZGlhdGUgQ0EgLSBHNDAeFw0xNDEyMTEwMDAwMDBaFw0yNDExMTEyMzU5NTlaMIGMMQswCQYDVQQGEwJVUzEYMBYGA1UEChMPVS5TLiBHb3Zlcm5tZW50MSowKAYDVQQLEyFVLlMuIERlcGFydG1lbnQgb2YgVHJhbnNwb3J0YXRpb24xNzA1BgNVBAMTLlUuUy4gRGVwYXJ0bWVudCBvZiBUcmFuc3BvcnRhdGlvbiBBZ2VuY3kgQ0EgRzQwggEiMA0GCSqGSIb3DQEBAQUAA4IBDwAwggEKAoIBAQDW3FVGe9190OXemqMge+XyeDIIxIQMPYZuKl7/1rhtD3w8/OmYV59AU7pNYCfDpx/ZiNZP5a7mYQb097HucXwltkGPn3fmCOVUuSwyIta+A6NnsXv6QURchmmbaFZIBqTwRjggXhml0Vx7IIw4KrLP87hfRJqDmweiY6/Go168BPG9+LJ137bn1te84Pdg9QsuQRX1fcJWHmKJPwvHO59sojchd/vqMyA2i6IkyM43aF07ZQnmmd1usVXskqFkatu1ANU9/EKlMODRmDbnyQ4AF9vletoBdCVVuAv2vDMuObrcTEMl/dI0FMq2gfRyQZ9oiYArMj7lxgnvOlYXFUgjAgMBAAGjggGfMIIBmzB/BggrBgEFBQcBAQRzMHEwJwYIKwYBBQUHMAGGG2h0dHA6Ly9zc3Atb2NzcC5zeW1hdXRoLmNvbTBGBggrBgEFBQcwAoY6aHR0cDovL3NzcC1haWEuc3ltYXV0aC5jb20vU1NQL0NlcnRzX2lzc3VlZF90b19TU1BDQUc0LnA3YzASBgNVHRMBAf8ECDAGAQH/AgEAME8GA1UdIARIMEYwDAYKYIZIAWUDAgEDBjAMBgpghkgBZQMCAQMHMAwGCmCGSAFlAwIBAw0wDAYKYIZIAWUDAgEDEDAMBgpghkgBZQMCAQMRMDkGA1UdHwQyMDAwLqAsoCqGKGh0dHA6Ly9zc3AtY3JsLnN5bWF1dGguY29tL1NTUC9TU1BHNC5jcmwwDgYDVR0PAQH/BAQDAgEGMCgGA1UdEQQhMB+kHTAbMRkwFwYDVQQDExBTeW1hbnRlY1BLSS0yLTE0MB0GA1UdDgQWBBRnww++PpoXLlosifBqH9Y+G8sOVTAfBgNVHSMEGDAWgBT/zDTR20rh4cIL0tvrgHxzDHVfZjANBgkqhkiG9w0BAQsFAAOCAQEAOM82EwsLrBoHAoTugavemE1ybOPHEtpJf/mFuH3R42s9H0mrAFT4AeGmUtc8XE78UPQ6vxWq5wYbw99tN2tG1blZSZ1WhSAHLqW6iJiXZLygI42dm6Hf3FA/rWGqav+F5yOv8mbjkmsRzmT5OffGZlpJvo+RvmZPutco/RGqtT6+VIQ+clCmJivN9JqkjvDGyAMnscdkywimekYfQwDHEMXDkK6/oJW+W2hHrL28wcWWUo9w+ha+Skn5b0lLm/iC/t7CkvrPPJGEkSmE5S59rJO3grpl7SXhz8QiPmifqYTK265DnXVaOvSJR4FcTHXoQMgDRWtp6FQk5eBW3KM6TA==</xd:EncapsulatedX509Certificate>
+            <xd:EncapsulatedX509Certificate>MIIFODCCBCCgAwIBAgICJY4wDQYJKoZIhvcNAQELBQAwWTELMAkGA1UEBhMCVVMxGDAWBgNVBAoTD1UuUy4gR292ZXJubWVudDENMAsGA1UECxMERlBLSTEhMB8GA1UEAxMYRmVkZXJhbCBDb21tb24gUG9saWN5IENBMB4XDTE0MTExMjE1NDAxMFoXDTI0MTExMjE1Mzk1OVowWDELMAkGA1UEBhMCVVMxHTAbBgNVBAoTFFN5bWFudGVjIENvcnBvcmF0aW9uMSowKAYDVQQDEyFTeW1hbnRlYyBTU1AgSW50ZXJtZWRpYXRlIENBIC0gRzQwggEiMA0GCSqGSIb3DQEBAQUAA4IBDwAwggEKAoIBAQDf7AaRyHztQNpQRygNBu7MivKvND+elmYuA6m1BZUROEUy7Y7BfQo2Xje0CZKSHOdfmYlm6GxTKFZIzjVSArtd2wwOWT9vz6+h2GjME/UdGCpOImHd9EXkzofigopI9PtYmdDH/6KFfI1lV6OjrYPK6qMU2+HROX7mxzQbIVrv9E0daSVTgzUuE8K1XXxrh4iKgL0NZrbOU4SlLovhNpmmQ2bz5mWYivkxsrdM/4N72c96tMgfVReMZK24IAspPfZh6bl/lW73USqCI3VUCaOd857TGQmQzTRbQLu/GfOtk5uS9Tt5fJ7bCX0mcW9H+5yRdwzdr6GRHJ4Q6eqmz0cbAgMBAAGjggIJMIICBTAPBgNVHRMBAf8EBTADAQH/MHkGA1UdIARyMHAwDAYKYIZIAWUDAgEDBjAMBgpghkgBZQMCAQMHMAwGCmCGSAFlAwIBAwgwDAYKYIZIAWUDAgEDJDAMBgpghkgBZQMCAQMNMAwGCmCGSAFlAwIBAxEwDAYKYIZIAWUDAgEDJzAMBgpghkgBZQMCAQMQMFoGCCsGAQUFBwELBE4wTDBKBggrBgEFBQcwBYY+aHR0cDovL3NzcC1zaWEuc3ltYXV0aC5jb20vU1NQL0NlcnRzX2lzc3VlZF9ieV9TWU1DU1NQQ0FHNC5wN2MwTwYIKwYBBQUHAQEEQzBBMD8GCCsGAQUFBzAChjNodHRwOi8vaHR0cC5mcGtpLmdvdi9mY3BjYS9jYUNlcnRzSXNzdWVkVG9mY3BjYS5wN2MwDAYDVR0kBAUwA4EBADAKBgNVHTYEAwIBADApBgNVHREEIjAgpB4wHDEaMBgGA1UEAxMRU3ltYW50ZWNQS0ktMS03NjIwDgYDVR0PAQH/BAQDAgEGMB8GA1UdIwQYMBaAFK0MenVc5fOYxHmYDqwo/Zf05wL8MDUGA1UdHwQuMCwwKqAooCaGJGh0dHA6Ly9odHRwLmZwa2kuZ292L2ZjcGNhL2ZjcGNhLmNybDAdBgNVHQ4EFgQU/8w00dtK4eHCC9Lb64B8cwx1X2YwDQYJKoZIhvcNAQELBQADggEBAG+ns1p7tmvXUpkQp+V1OcOAVoZwtCGs3GMRZMuAgTMOeW+jRs5BxXH70vM1xbCZMOFY6FYlaBiyqXpZuXAhV2CXmVuF57vaSJAr7b9coq4xkiyndA98rYoUryc3jdFMMXDCgK1lZnnGZI0bOkGUjHg6oErTuYoSdkV0D5a+QOwy5QizlQr3ZWbT1knko6ciV1kxXc0yA9JJSLpT/4SkfY1Lq6iX9jTw303g7e6cTAbx4nJmfWyrI/Crt4ma/M70wtQyIamCQHP2ovwiHKi3Zleub/uoVmWN5HH/SE2HZgMyHvDURKUPlQ3l9pzqLkpJO+ApcCgXj1Z7n2/sbLKhrPs=</xd:EncapsulatedX509Certificate>
+            <xd:EncapsulatedX509Certificate>MIIGezCCBWOgAwIBAgIUe2/+Jhp5ZUPNx4jhX5D14+zmm/QwDQYJKoZIhvcNAQELBQAwVzELMAkGA1UEBhMCVVMxGDAWBgNVBAoTD1UuUy4gR292ZXJubWVudDENMAsGA1UECxMERlBLSTEfMB0GA1UEAxMWRmVkZXJhbCBCcmlkZ2UgQ0EgMjAxNjAeFw0xNjExMDgxODE0MzZaFw0xOTExMDgxODE0MzZaMFkxCzAJBgNVBAYTAlVTMRgwFgYDVQQKEw9VLlMuIEdvdmVybm1lbnQxDTALBgNVBAsTBEZQS0kxITAfBgNVBAMTGEZlZGVyYWwgQ29tbW9uIFBvbGljeSBDQTCCASIwDQYJKoZIhvcNAQEBBQADggEPADCCAQoCggEBANh1+zUWNFpBv1qvXDAEFByteES16ibqdWHHzTZ5+HzYvSlRZlkh43mr1Hi+sC2wodWyNRYj0Mwevg7oq9zDydYS16dyaBgxuBcisj5+ughtxv3RWCxpoAPwKqP2PyElPd+3MsWOJ7MjpeBSs12W6bC4xcWfu8WgboJAu8UnBTZJ1iYnaQw0j88neioKo0FfjR0DhoMV4FXBxZgsnuwactxIwT75hNKEgsEbw3Q2t7nHNjJ6+DK20DauIhgxjFBzIZ7+gzswiCTj6cF+3u2Yxx+SEIqfW2IvnaS81YVvOv3JU6cgS6rbIKshTh0NTuaYheWrEUddnT/EI8DjFAZu/p0CAwEAAaOCAzswggM3MA8GA1UdEwEB/wQFMAMBAf8wggFBBgNVHSAEggE4MIIBNDAMBgpghkgBZQMCAQMNMAwGCmCGSAFlAwIBAwEwDAYKYIZIAWUDAgEDAjAMBgpghkgBZQMCAQMOMAwGCmCGSAFlAwIBAw8wDAYKYIZIAWUDAgEDETAMBgpghkgBZQMCAQMSMAwGCmCGSAFlAwIBAxMwDAYKYIZIAWUDAgEDFDAMBgpghkgBZQMCAQMDMAwGCmCGSAFlAwIBAwwwDAYKYIZIAWUDAgEDBDAMBgpghkgBZQMCAQMlMAwGCmCGSAFlAwIBAyYwDAYKYIZIAWUDAgEDBjAMBgpghkgBZQMCAQMHMAwGCmCGSAFlAwIBAwgwDAYKYIZIAWUDAgEDJDAMBgpghkgBZQMCAQMQMAwGCmCGSAFlAwIBAycwDAYKYIZIAWUDAgEDKDAMBgpghkgBZQMCAQMpMFMGCCsGAQUFBwEBBEcwRTBDBggrBgEFBQcwAoY3aHR0cDovL2h0dHAuZnBraS5nb3YvYnJpZGdlL2NhQ2VydHNJc3N1ZWRUb2ZiY2EyMDE2LnA3YzCBjQYDVR0hBIGFMIGCMBgGCmCGSAFlAwIBAwMGCmCGSAFlAwIBAwYwGAYKYIZIAWUDAgEDBAYKYIZIAWUDAgEDEDAYBgpghkgBZQMCAQMMBgpghkgBZQMCAQMHMBgGCmCGSAFlAwIBAyUGCmCGSAFlAwIBAwgwGAYKYIZIAWUDAgEDJgYKYIZIAWUDAgEDJDBPBggrBgEFBQcBCwRDMEEwPwYIKwYBBQUHMAWGM2h0dHA6Ly9odHRwLmZwa2kuZ292L2ZjcGNhL2NhQ2VydHNJc3N1ZWRCeWZjcGNhLnA3YzAPBgNVHSQBAf8EBTADgQEBMA0GA1UdNgEB/wQDAgEAMA4GA1UdDwEB/wQEAwIBBjAfBgNVHSMEGDAWgBQjsLN9FlTUAlZ26zq+qWsvQ3soFjA5BgNVHR8EMjAwMC6gLKAqhihodHRwOi8vaHR0cC5mcGtpLmdvdi9icmlkZ2UvZmJjYTIwMTYuY3JsMB0GA1UdDgQWBBStDHp1XOXzmMR5mA6sKP2X9OcC/DANBgkqhkiG9w0BAQsFAAOCAQEAZ8jRNy3bbIg6T5NCO4nGRtfLOCNvvRX/G6nz8Ax7FG3/xrZQy9jwDymdp0wQTJ1vKhtpQ0Nv0BxU3zw1OzujKoD6y7mb5EsunGXVi7Rltw1LJVZCaXC40DfDVEqx4hVd0JdoFluBBYs8XZEdve1sobkEAfNUhn5LMCklqGb55jSPSdXDN5HJ3t3vJ5xjXbeWbsTAh0Ta3Z7pZA5osMKx39VwXItWYyaBfCxOLRb9Nu+wEqrxpld83pGEJpzvR7SWfBirfVYa3E1kHizjTsM1GY7pjtHGwM2iYgJUuJwW32HHPxwlMwAr4zxG5ev/VUxGhmZw9bbkbLvmLvXXEGb6BQ==</xd:EncapsulatedX509Certificate>
+            <xd:EncapsulatedX509Certificate>MIIJPTCCCCWgAwIBAgIQUbESM8+ZMyYk4riEkNspFzANBgkqhkiG9w0BAQsFADBsMQswCQYDVQQGEwJVUzEWMBQGA1UEChMNQ2VydGlQYXRoIExMQzEiMCAGA1UECxMZQ2VydGlmaWNhdGlvbiBBdXRob3JpdGllczEhMB8GA1UEAxMYQ2VydGlQYXRoIEJyaWRnZSBDQSAtIEcyMB4XDTE3MDQyMDAwMDAwMFoXDTE5MDQzMDIzNTk1OVowVzELMAkGA1UEBhMCVVMxGDAWBgNVBAoTD1UuUy4gR292ZXJubWVudDENMAsGA1UECxMERlBLSTEfMB0GA1UEAxMWRmVkZXJhbCBCcmlkZ2UgQ0EgMjAxNjCCASIwDQYJKoZIhvcNAQEBBQADggEPADCCAQoCggEBAL6dNXlvJbX0kINuE79TUMrNHJbUHGuB8oqbD0an37fv/+1EWc6Hlm9fV7H+M6tHx4WXdzyKDhTNL3lqJxTSeFulpUs4Orjf9osL2lMRI1mfqWIykPQaTwWDPj3NmxV7kNiLoc3MuMBDn82ni74jQX0pM99ZfUDA49pzw69Dv5ZYSsKDsiriIX6Tl2r5FWmMfgxokTrwtyyBWgq9koa5hJmSmASf1MSJwpHhIVJIft0An4/5LT7y6F4KVMxPgkgvDAJeB7Yy5JMpN8xWdyF2ZhqZ8gsT4sP5O+CYHJw/9SPIhi+Py+m/XxriaDIHvbu2N4neuHD9yMmDRCsYvoZ3EjkCAwEAAaOCBe4wggXqMB0GA1UdDgQWBBQjsLN9FlTUAlZ26zq+qWsvQ3soFjAPBgNVHRMBAf8EBTADAQH/MIGrBgNVHSAEgaMwgaAwDgYMKwYBBAGBu1MBAQEBMA4GDCsGAQQBgbtTAQEBAjAOBgwrBgEEAYG7UwEBAQMwDgYMKwYBBAGBu1MBAQEEMA4GDCsGAQQBgbtTAQEBBTAOBgwrBgEEAYG7UwEBAQcwDgYMKwYBBAGBu1MBAQEIMA4GDCsGAQQBgbtTAQEBCTAOBgwrBgEEAYG7UwEBARcwDgYMKwYBBAGBu1MBAQEYMEoGA1UdHwRDMEEwP6A9oDuGOWh0dHA6Ly9jZXJ0aXBhdGgtY3JsLnN5bWF1dGguY29tL0NlcnRpUGF0aEJyaWRnZUNBLUcyLmNybDAOBgNVHQ8BAf8EBAMCAQYwUwYIKwYBBQUHAQsERzBFMEMGCCsGAQUFBzAFhjdodHRwOi8vaHR0cC5mcGtpLmdvdi9icmlkZ2UvY2FDZXJ0c0lzc3VlZEJ5ZmJjYTIwMTYucDdjMAoGA1UdNgQDAgEAMAwGA1UdJAQFMAOBAQEwggPFBgNVHSEEggO8MIIDuDAaBgwrBgEEAYG7UwEBAQEGCmCGSAFlAwIBAwMwGgYMKwYBBAGBu1MBAQECBgpghkgBZQMCAQMMMBoGDCsGAQQBgbtTAQEBAwYKYIZIAWUDAgEDBDAaBgwrBgEEAYG7UwEBAQQGCmCGSAFlAwIBAw4wGgYMKwYBBAGBu1MBAQEFBgpghkgBZQMCAQMPMBoGDCsGAQQBgbtTAQEBBwYKYIZIAWUDAgEDEjAaBgwrBgEEAYG7UwEBAQgGCmCGSAFlAwIBAxMwGgYMKwYBBAGBu1MBAQEJBgpghkgBZQMCAQMUMBoGDCsGAQQBgbtTAQEBFwYKYIZIAWUDAgEDJTAaBgwrBgEEAYG7UwEBARgGCmCGSAFlAwIBAyYwGgYMKwYBBAGBu1MBAQEBBgpghkgBZQMCAQMMMBoGDCsGAQQBgbtTAQEBAQYKYIZIAWUDAgEDBDAaBgwrBgEEAYG7UwEBAQEGCmCGSAFlAwIBAxIwGgYMKwYBBAGBu1MBAQEBBgpghkgBZQMCAQMNMBoGDCsGAQQBgbtTAQEBAQYKYIZIAWUDAgEDJTAaBgwrBgEEAYG7UwEBAQIGCmCGSAFlAwIBAwQwGgYMKwYBBAGBu1MBAQECBgpghkgBZQMCAQMSMBoGDCsGAQQBgbtTAQEBAgYKYIZIAWUDAgEDDTAaBgwrBgEEAYG7UwEBAQQGCmCGSAFlAwIBAw8wGgYMKwYBBAGBu1MBAQEEBgpghkgBZQMCAQMDMBoGDCsGAQQBgbtTAQEBBAYKYIZIAWUDAgEDDDAaBgwrBgEEAYG7UwEBAQQGCmCGSAFlAwIBAwQwGgYMKwYBBAGBu1MBAQEEBgpghkgBZQMCAQMSMBoGDCsGAQQBgbtTAQEBBAYKYIZIAWUDAgEDDTAaBgwrBgEEAYG7UwEBAQQGCmCGSAFlAwIBAyUwGgYMKwYBBAGBu1MBAQEFBgpghkgBZQMCAQMMMBoGDCsGAQQBgbtTAQEBBQYKYIZIAWUDAgEDBDAaBgwrBgEEAYG7UwEBAQUGCmCGSAFlAwIBAxIwGgYMKwYBBAGBu1MBAQEFBgpghkgBZQMCAQMNMBoGDCsGAQQBgbtTAQEBBwYKYIZIAWUDAgEDDDAaBgwrBgEEAYG7UwEBAQcGCmCGSAFlAwIBAw0wGgYMKwYBBAGBu1MBAQEIBgpghkgBZQMCAQMRMBoGDCsGAQQBgbtTAQEBCQYKYIZIAWUDAgEDJzAaBgwrBgEEAYG7UwEBARcGCmCGSAFlAwIBAyYwVQYIKwYBBQUHAQEESTBHMEUGCCsGAQUFBzAChjlodHRwOi8vY2VydGlwYXRoLWFpYS5zeW1hdXRoLmNvbS9DZXJ0aVBhdGhCcmlkZ2VDQS1HMi5wN2MwHwYDVR0jBBgwFoAU0MKMEzczdkqRqDzh6Lf9opzR3RQwDQYJKoZIhvcNAQELBQADggEBAIHSOepW4aRmKPgoi/bp2dRvoJoIt2ocUOZKnqzAsXuY6YFw3xgg3J8b1riY/CZIBFx2pl/uSKlafRFrr45QCHBflLDwiXFNBqxyQwS7Rt1GHvqlrY8jNitJAp3xkNkGaJdldESSBGoBTBpWBaFsS6+0c4nOdNDxGXXX48JKHwEORD/Jld83lpvbGgas6yxhEO1U1QiroNzvag9rUMpDGb8hQxrI0q4fUYY6l1QvYobV7XO+JMlxK6XyhmUAPghlxK4KOQf3dyc5FK3FAH4PCP+NqW3iGgmzngYEuJVSreZm+5sB+nCEewaPGHi/+qfupJPT5y9Ysmvn/jG2igF/Qo4=</xd:EncapsulatedX509Certificate>
+            <xd:EncapsulatedX509Certificate>MIIKwDCCCKigAwIBAgIGbQnH68tNMA0GCSqGSIb3DQEBCwUAMHAxCzAJBgNVBAYTAkNBMSswKQYDVQQKEyJDYXJpbGxvbiBJbmZvcm1hdGlvbiBTZWN1cml0eSBJbmMuMSIwIAYDVQQLExlDZXJ0aWZpY2F0aW9uIEF1dGhvcml0aWVzMRAwDgYDVQQDEwdDSVNSQ0ExMB4XDTE4MDMxNTE1NTA0OFoXDTE5MDMyMDE1NTA0OFowbDELMAkGA1UEBhMCVVMxFjAUBgNVBAoTDUNlcnRpUGF0aCBMTEMxIjAgBgNVBAsTGUNlcnRpZmljYXRpb24gQXV0aG9yaXRpZXMxITAfBgNVBAMTGENlcnRpUGF0aCBCcmlkZ2UgQ0EgLSBHMjCCASIwDQYJKoZIhvcNAQEBBQADggEPADCCAQoCggEBANLW4kXiRqvwBhJfN9uz12FA+P2D34MPxOt7TGXljm2plJ2CLzvaH8/ymsMdSWdJBS1M8FmwvNL1w3A6ZuzksJjPikAu8kY3dcp3mrkk9eCPORDAwGtfsXwZysLiuEaDWpbDdHOaHnI6qWU0N6OI+hNX58EjDpIGC1WQdho1tHOTPc5Hf5/hOpM/29v/wr7kySjsZ+7nsvkm5rNhuJNzPsLsgzVaJ5/BVyOplZy24FKM8Y43MjR4osZm+a2e0zniqw6/rvcjcGYabYaznZfQG1GXoyf2Vea+CCgpgUhlVafgkwEs8izl8rIpvBzXiFAgFQuGItuoy92PJbDs430fA/cCAwEAAaOCBmIwggZeMB0GA1UdDgQWBBTQwowTNzN2SpGoPOHot/2inNHdFDAfBgNVHSMEGDAWgBTqlRXaXDkA4prbxLotZ/qh93U07TAPBgNVHRMBAf8EBTADAQH/MA4GA1UdDwEB/wQEAwIBxjCCAzQGA1UdIASCAyswggMnMA0GCysGAQQBgcNeAwEeMA0GCysGAQQBgcNeAwELMA0GCysGAQQBgcNeAwEfMA0GCysGAQQBgcNeAwEMMIHsBgsrBgEEAYHDXgMBFDCB3DA5BggrBgEFBQcCARYtaHR0cHM6Ly9wdWIuY2FyaWxsb24uY2EvQ2VydGlmaWNhdGVQb2xpY3kucGRmMIGeBggrBgEFBQcCAjCBkRqBjlRoaXMgY2VydGlmaWNhdGUgaGFzIGJlZW4gaXNzdWVkIGluIGFjY29yZGFuY2Ugd2l0aCB0aGUgQ2FyaWxsb24gSW5mb3JtYXRpb24gU2VjdXJpdHkgSW5jLiBDZXJ0aWZpY2F0ZSBQb2xpY3kgYXMgZm91bmQgaW4gdGhlIENQU3BvaW50ZXIgZmllbGQwgewGCysGAQQBgcNeAwEVMIHcMDkGCCsGAQUFBwIBFi1odHRwczovL3B1Yi5jYXJpbGxvbi5jYS9DZXJ0aWZpY2F0ZVBvbGljeS5wZGYwgZ4GCCsGAQUFBwICMIGRGoGOVGhpcyBjZXJ0aWZpY2F0ZSBoYXMgYmVlbiBpc3N1ZWQgaW4gYWNjb3JkYW5jZSB3aXRoIHRoZSBDYXJpbGxvbiBJbmZvcm1hdGlvbiBTZWN1cml0eSBJbmMuIENlcnRpZmljYXRlIFBvbGljeSBhcyBmb3VuZCBpbiB0aGUgQ1BTcG9pbnRlciBmaWVsZDCB7AYLKwYBBAGBw14DARYwgdwwOQYIKwYBBQUHAgEWLWh0dHBzOi8vcHViLmNhcmlsbG9uLmNhL0NlcnRpZmljYXRlUG9saWN5LnBkZjCBngYIKwYBBQUHAgIwgZEagY5UaGlzIGNlcnRpZmljYXRlIGhhcyBiZWVuIGlzc3VlZCBpbiBhY2NvcmRhbmNlIHdpdGggdGhlIENhcmlsbG9uIEluZm9ybWF0aW9uIFNlY3VyaXR5IEluYy4gQ2VydGlmaWNhdGUgUG9saWN5IGFzIGZvdW5kIGluIHRoZSBDUFNwb2ludGVyIGZpZWxkMA0GCysGAQQBgcNeAwEOMA0GCysGAQQBgcNeAwENMIICNAYDVR0hBIICKzCCAicwGwYLKwYBBAGBw14DAR4GDCsGAQQBgbtTAQEBBDAbBgsrBgEEAYHDXgMBCwYMKwYBBAGBu1MBAQEBMBsGCysGAQQBgcNeAwEfBgwrBgEEAYG7UwEBAQUwGwYLKwYBBAGBw14DAQwGDCsGAQQBgbtTAQEBAjAbBgsrBgEEAYHDXgMBFAYMKwYBBAGBu1MBAQEHMBsGCysGAQQBgcNeAwEVBgwrBgEEAYG7UwEBAQgwGwYLKwYBBAGBw14DARYGDCsGAQQBgbtTAQEBCTAbBgsrBgEEAYHDXgMBHgYMKwYBBAGBu1MBAQEFMBsGCysGAQQBgcNeAwEeBgwrBgEEAYG7UwEBAQEwGwYLKwYBBAGBw14DAR4GDCsGAQQBgbtTAQEBAjAbBgsrBgEEAYHDXgMBHgYMKwYBBAGBu1MBAQEHMBsGCysGAQQBgcNeAwELBgwrBgEEAYG7UwEBAQIwGwYLKwYBBAGBw14DAQsGDCsGAQQBgbtTAQEBBzAbBgsrBgEEAYHDXgMBHwYMKwYBBAGBu1MBAQECMBsGCysGAQQBgcNeAwEfBgwrBgEEAYG7UwEBAQcwGwYLKwYBBAGBw14DAQwGDCsGAQQBgbtTAQEBBzAbBgsrBgEEAYHDXgMBDgYMKwYBBAGBu1MBAQEYMBsGCysGAQQBgcNeAwENBgwrBgEEAYG7UwEBARcwGwYLKwYBBAGBw14DAQ0GDCsGAQQBgbtTAQEBGDAKBgNVHTYEAwIBADBGBggrBgEFBQcBAQQ6MDgwNgYIKwYBBQUHMAKGKmh0dHA6Ly9wdWIuY2FyaWxsb24uY2EvQ0FjZXJ0cy9DSVNSQ0ExLnA3YzA3BgNVHR8EMDAuMCygKqAohiZodHRwOi8vcHViLmNhcmlsbG9uLmNhL0NSTC9DSVNSQ0ExLmNybDANBgkqhkiG9w0BAQsFAAOCAgEAljtzuakI7egFxsMmrkIfv40PVvjCGCSor9LSJqNhu7T5BAFSWNBderRa3BFE1HOmdWXMc0i2Jr27aZQPItXMGcpC1HfJK+g13IF4M+6sue7PzFhn8/HEtRaocCfkEu1VdJRsaLEbfJq4+y0J1xzHbFoPXIYmvLpPaPTblFh04X4uHw0U1b4Q5NeYIEM/JEN1LLl3hKuxU6NQPPssxPg5dsK2JjMbuvhsj9Fl8P3EB5Yn6mD3xQsdXX09NE6NIt0qAA6C9npCZfMZLf6DARB/FI5E4R4HAvcIipVfZlIJgfzcxp+7bh5T6wV0jMQIzBAVB1PHKxhPm8I4e1wrddFlBPP35aQy17UY78U1N6H250ySVdgij1XUtUAuyJjKDsEtbV8Gmkz9/EGgx4bpAN8OnkTKdFMZvkpvA2xMtvuDUv1On8d+G4MWpc60+bJ43+9dVG9OcPCDZWy5DezLHWONc84VglaeIDsze7/XHqlXDvqPLCIJxjuHkqfMm1pvlL7sG8UnPxY7u1lR3w21t0GZ4iLbRYcxtUmpI8ztnhYVoC9kgXm/riTXkkt+4dHgVbhOvjA22CSIwLtoV0Erin09W9X9/DDTrcEETYz8+74Xx9lEP+GYrK/qWT2Qm3syNq4KqTS0HgmVoYOY7bLab/RF/EGV8HmD5MfefxNiP/zSKIg=</xd:EncapsulatedX509Certificate>
+            <xd:EncapsulatedX509Certificate>MIIFojCCA4qgAwIBAgIGC4LclDN2MA0GCSqGSIb3DQEBCwUAMHAxCzAJBgNVBAYTAkNBMSswKQYDVQQKEyJDYXJpbGxvbiBJbmZvcm1hdGlvbiBTZWN1cml0eSBJbmMuMSIwIAYDVQQLExlDZXJ0aWZpY2F0aW9uIEF1dGhvcml0aWVzMRAwDgYDVQQDEwdDSVNSQ0ExMB4XDTEyMTAxNjE4MjgzM1oXDTMyMTAxNjE4MjgzM1owcDELMAkGA1UEBhMCQ0ExKzApBgNVBAoTIkNhcmlsbG9uIEluZm9ybWF0aW9uIFNlY3VyaXR5IEluYy4xIjAgBgNVBAsTGUNlcnRpZmljYXRpb24gQXV0aG9yaXRpZXMxEDAOBgNVBAMTB0NJU1JDQTEwggIiMA0GCSqGSIb3DQEBAQUAA4ICDwAwggIKAoICAQDEdvFial/NKc0ENn9uYX5z9J1m3yJamoNEgWb9ThGwPqzoiLJTOf/jur7U/9OF2L1br2hPM6y4FH0SW3qVa8c2/iuP9IhgiTqqWThMwV1VgaXf2B8xetOjTvBRy8Mxh64L3speG6F0OPCSd3E8yxN+oMEKmL3YuPhUNJhOZxaaV0smhl8bZnKqwfJogp1YQXxxIuLPATH+4uBWqWjgrTOvNTkunG4GTPMjdi9pJugFOWm39Uga99/ZOTcyVREnBIEfnTyLjINSd8GuLM0rKkrlLfEZabqHXoud4HHIdNLN7m44N2pdGQDSdt2i6247qh31NgZPX15swhDz3W+12nla/tVGRDRIr4YANHwkhN1FkPkWgqyokdTpRjNvfrpHH+Hvr+VQ1sb5p+1sl6orKU5dxfge9nTJqyT4DVPHaBW+/FyrPXIL0nAEtxbjaanxZ7rGAEx7gDQ1Ll7tH6Al96WCahB/v49Zb8NGpspCTkIjhQY5NYy18dfBI0JF/S8lcfjzB9MHaL7bmGwq9qVH97BlYK2ufOYRHSdUCGWw2ILAYWvpfo8i1nEda0EgZdhXmh98DlpU4JSwbXXvKDI1PFXDbWf4JL37QPNanTbZNUy74mvZsTYP5G8gGsVvesOROa+vzPP2vSCGutMkITwfNynmn/wav5jfPLogIRKpwjoqkwIDAQABo0IwQDAdBgNVHQ4EFgQU6pUV2lw5AOKa28S6LWf6ofd1NO0wDwYDVR0TAQH/BAUwAwEB/zAOBgNVHQ8BAf8EBAMCAcYwDQYJKoZIhvcNAQELBQADggIBADXQ2Lie8gn48J+ybkiy1+qhmyiJOc3+Fmod6ZyCX1FHOvWe0byuH5/iXErI7O1GQvF8QwcV326X9u2G/J/FCF6CDqMuqAouvI4bMRIo9nkowSK20ZVpQOhZCSeikWR26tATjXD8ZcNvEZ8qSMqnYvWDFOUaFseRi7QJxc574+QdbZei6csmHmu03D6Ddi9eTahoiVT9TtJGqED22Mp4zzYaPVlljJv1Kx9Mgt94eE0mSkdprW8zHwMeIk7ZBlmeRvxQNV/GhRvkG/gAyeDTOqsmQ81H+lr4hQvHMtq1DS0wKTp5sxTppQ9wJdGNCVCU7U2SnjA3QNtaeEmPDzkvvS7XqwiUySmK992MvYJ8MFti6DVGVjhdkfYOb4zulZ/9dJ3t7RCrzouPt61/TWlJ8McRVZuagvei+jPyRBH6FUtGqZtrl0LWtLcJERR5U6bnfy0nOgo0JETOVYx6gHVzAkvi+kaUfTMUDUJWuaDmL4VIkZ9EuqEoqbEfiXomClNchbl8hJiMKGCltnqNPaAAPdx/qkjpqC6sX96HLVykaxbqveiVtc54CfhxNuWQaNIHlrq8AIsOmG1NcFPAw8wbE5xImpk9EsAnjmGSTGhSb40DHIn104bA/3FJTyBr/dFvkST18UcjTVnf0L1JQv1AOD7i8QVcJegQ5FoCA+O7fCUq</xd:EncapsulatedX509Certificate>
+          </xd:CertificateValues>
+        </xd:UnsignedSignatureProperties>
+      </xd:UnsignedProperties>
+    </xd:QualifyingProperties>
+  </Object>
+</Signature>
 </file>